--- a/Car Plate Number Detector.pptx
+++ b/Car Plate Number Detector.pptx
@@ -2,14 +2,15 @@
 <file path=ppt/presentation.xml><?xml version="1.0" encoding="utf-8"?>
 <p:presentation xmlns:a="http://schemas.openxmlformats.org/drawingml/2006/main" xmlns:r="http://schemas.openxmlformats.org/officeDocument/2006/relationships" xmlns:p="http://schemas.openxmlformats.org/presentationml/2006/main" saveSubsetFonts="1">
   <p:sldMasterIdLst>
-    <p:sldMasterId id="2147483803" r:id="rId1"/>
+    <p:sldMasterId id="2147483839" r:id="rId1"/>
   </p:sldMasterIdLst>
   <p:sldIdLst>
     <p:sldId id="256" r:id="rId2"/>
     <p:sldId id="260" r:id="rId3"/>
-    <p:sldId id="257" r:id="rId4"/>
-    <p:sldId id="258" r:id="rId5"/>
-    <p:sldId id="259" r:id="rId6"/>
+    <p:sldId id="262" r:id="rId4"/>
+    <p:sldId id="261" r:id="rId5"/>
+    <p:sldId id="258" r:id="rId6"/>
+    <p:sldId id="259" r:id="rId7"/>
   </p:sldIdLst>
   <p:sldSz cx="12192000" cy="6858000"/>
   <p:notesSz cx="6858000" cy="9144000"/>
@@ -316,7 +317,7 @@
           <a:p>
             <a:fld id="{984B0C5D-BA5B-42D3-AACE-B61AF64EB10C}" type="datetimeFigureOut">
               <a:rPr lang="en-IN" smtClean="0"/>
-              <a:t>21-02-2021</a:t>
+              <a:t>25-02-2021</a:t>
             </a:fld>
             <a:endParaRPr lang="en-IN"/>
           </a:p>
@@ -387,7 +388,7 @@
     </p:spTree>
     <p:extLst>
       <p:ext uri="{BB962C8B-B14F-4D97-AF65-F5344CB8AC3E}">
-        <p14:creationId xmlns:p14="http://schemas.microsoft.com/office/powerpoint/2010/main" val="4039043118"/>
+        <p14:creationId xmlns:p14="http://schemas.microsoft.com/office/powerpoint/2010/main" val="3159914973"/>
       </p:ext>
     </p:extLst>
   </p:cSld>
@@ -506,7 +507,7 @@
           <a:p>
             <a:fld id="{984B0C5D-BA5B-42D3-AACE-B61AF64EB10C}" type="datetimeFigureOut">
               <a:rPr lang="en-IN" smtClean="0"/>
-              <a:t>21-02-2021</a:t>
+              <a:t>25-02-2021</a:t>
             </a:fld>
             <a:endParaRPr lang="en-IN"/>
           </a:p>
@@ -557,7 +558,7 @@
     </p:spTree>
     <p:extLst>
       <p:ext uri="{BB962C8B-B14F-4D97-AF65-F5344CB8AC3E}">
-        <p14:creationId xmlns:p14="http://schemas.microsoft.com/office/powerpoint/2010/main" val="2023687455"/>
+        <p14:creationId xmlns:p14="http://schemas.microsoft.com/office/powerpoint/2010/main" val="3649792249"/>
       </p:ext>
     </p:extLst>
   </p:cSld>
@@ -686,7 +687,7 @@
           <a:p>
             <a:fld id="{984B0C5D-BA5B-42D3-AACE-B61AF64EB10C}" type="datetimeFigureOut">
               <a:rPr lang="en-IN" smtClean="0"/>
-              <a:t>21-02-2021</a:t>
+              <a:t>25-02-2021</a:t>
             </a:fld>
             <a:endParaRPr lang="en-IN"/>
           </a:p>
@@ -737,7 +738,7 @@
     </p:spTree>
     <p:extLst>
       <p:ext uri="{BB962C8B-B14F-4D97-AF65-F5344CB8AC3E}">
-        <p14:creationId xmlns:p14="http://schemas.microsoft.com/office/powerpoint/2010/main" val="3108563493"/>
+        <p14:creationId xmlns:p14="http://schemas.microsoft.com/office/powerpoint/2010/main" val="2327640267"/>
       </p:ext>
     </p:extLst>
   </p:cSld>
@@ -856,7 +857,7 @@
           <a:p>
             <a:fld id="{984B0C5D-BA5B-42D3-AACE-B61AF64EB10C}" type="datetimeFigureOut">
               <a:rPr lang="en-IN" smtClean="0"/>
-              <a:t>21-02-2021</a:t>
+              <a:t>25-02-2021</a:t>
             </a:fld>
             <a:endParaRPr lang="en-IN"/>
           </a:p>
@@ -907,7 +908,7 @@
     </p:spTree>
     <p:extLst>
       <p:ext uri="{BB962C8B-B14F-4D97-AF65-F5344CB8AC3E}">
-        <p14:creationId xmlns:p14="http://schemas.microsoft.com/office/powerpoint/2010/main" val="2666537629"/>
+        <p14:creationId xmlns:p14="http://schemas.microsoft.com/office/powerpoint/2010/main" val="1291609506"/>
       </p:ext>
     </p:extLst>
   </p:cSld>
@@ -1112,7 +1113,7 @@
           <a:p>
             <a:fld id="{984B0C5D-BA5B-42D3-AACE-B61AF64EB10C}" type="datetimeFigureOut">
               <a:rPr lang="en-IN" smtClean="0"/>
-              <a:t>21-02-2021</a:t>
+              <a:t>25-02-2021</a:t>
             </a:fld>
             <a:endParaRPr lang="en-IN"/>
           </a:p>
@@ -1163,7 +1164,7 @@
     </p:spTree>
     <p:extLst>
       <p:ext uri="{BB962C8B-B14F-4D97-AF65-F5344CB8AC3E}">
-        <p14:creationId xmlns:p14="http://schemas.microsoft.com/office/powerpoint/2010/main" val="137036585"/>
+        <p14:creationId xmlns:p14="http://schemas.microsoft.com/office/powerpoint/2010/main" val="1557493652"/>
       </p:ext>
     </p:extLst>
   </p:cSld>
@@ -1400,7 +1401,7 @@
           <a:p>
             <a:fld id="{984B0C5D-BA5B-42D3-AACE-B61AF64EB10C}" type="datetimeFigureOut">
               <a:rPr lang="en-IN" smtClean="0"/>
-              <a:t>21-02-2021</a:t>
+              <a:t>25-02-2021</a:t>
             </a:fld>
             <a:endParaRPr lang="en-IN"/>
           </a:p>
@@ -1451,7 +1452,7 @@
     </p:spTree>
     <p:extLst>
       <p:ext uri="{BB962C8B-B14F-4D97-AF65-F5344CB8AC3E}">
-        <p14:creationId xmlns:p14="http://schemas.microsoft.com/office/powerpoint/2010/main" val="2053050558"/>
+        <p14:creationId xmlns:p14="http://schemas.microsoft.com/office/powerpoint/2010/main" val="3502852804"/>
       </p:ext>
     </p:extLst>
   </p:cSld>
@@ -1838,7 +1839,7 @@
           <a:p>
             <a:fld id="{984B0C5D-BA5B-42D3-AACE-B61AF64EB10C}" type="datetimeFigureOut">
               <a:rPr lang="en-IN" smtClean="0"/>
-              <a:t>21-02-2021</a:t>
+              <a:t>25-02-2021</a:t>
             </a:fld>
             <a:endParaRPr lang="en-IN"/>
           </a:p>
@@ -1889,7 +1890,7 @@
     </p:spTree>
     <p:extLst>
       <p:ext uri="{BB962C8B-B14F-4D97-AF65-F5344CB8AC3E}">
-        <p14:creationId xmlns:p14="http://schemas.microsoft.com/office/powerpoint/2010/main" val="2992364"/>
+        <p14:creationId xmlns:p14="http://schemas.microsoft.com/office/powerpoint/2010/main" val="1253230380"/>
       </p:ext>
     </p:extLst>
   </p:cSld>
@@ -1956,7 +1957,7 @@
           <a:p>
             <a:fld id="{984B0C5D-BA5B-42D3-AACE-B61AF64EB10C}" type="datetimeFigureOut">
               <a:rPr lang="en-IN" smtClean="0"/>
-              <a:t>21-02-2021</a:t>
+              <a:t>25-02-2021</a:t>
             </a:fld>
             <a:endParaRPr lang="en-IN"/>
           </a:p>
@@ -2007,7 +2008,7 @@
     </p:spTree>
     <p:extLst>
       <p:ext uri="{BB962C8B-B14F-4D97-AF65-F5344CB8AC3E}">
-        <p14:creationId xmlns:p14="http://schemas.microsoft.com/office/powerpoint/2010/main" val="518818566"/>
+        <p14:creationId xmlns:p14="http://schemas.microsoft.com/office/powerpoint/2010/main" val="2282692374"/>
       </p:ext>
     </p:extLst>
   </p:cSld>
@@ -2051,7 +2052,7 @@
           <a:p>
             <a:fld id="{984B0C5D-BA5B-42D3-AACE-B61AF64EB10C}" type="datetimeFigureOut">
               <a:rPr lang="en-IN" smtClean="0"/>
-              <a:t>21-02-2021</a:t>
+              <a:t>25-02-2021</a:t>
             </a:fld>
             <a:endParaRPr lang="en-IN"/>
           </a:p>
@@ -2102,7 +2103,7 @@
     </p:spTree>
     <p:extLst>
       <p:ext uri="{BB962C8B-B14F-4D97-AF65-F5344CB8AC3E}">
-        <p14:creationId xmlns:p14="http://schemas.microsoft.com/office/powerpoint/2010/main" val="726926744"/>
+        <p14:creationId xmlns:p14="http://schemas.microsoft.com/office/powerpoint/2010/main" val="1925714461"/>
       </p:ext>
     </p:extLst>
   </p:cSld>
@@ -2407,7 +2408,7 @@
           <a:p>
             <a:fld id="{984B0C5D-BA5B-42D3-AACE-B61AF64EB10C}" type="datetimeFigureOut">
               <a:rPr lang="en-IN" smtClean="0"/>
-              <a:t>21-02-2021</a:t>
+              <a:t>25-02-2021</a:t>
             </a:fld>
             <a:endParaRPr lang="en-IN"/>
           </a:p>
@@ -2468,7 +2469,7 @@
     </p:spTree>
     <p:extLst>
       <p:ext uri="{BB962C8B-B14F-4D97-AF65-F5344CB8AC3E}">
-        <p14:creationId xmlns:p14="http://schemas.microsoft.com/office/powerpoint/2010/main" val="1123887035"/>
+        <p14:creationId xmlns:p14="http://schemas.microsoft.com/office/powerpoint/2010/main" val="773301462"/>
       </p:ext>
     </p:extLst>
   </p:cSld>
@@ -2723,7 +2724,7 @@
           <a:p>
             <a:fld id="{984B0C5D-BA5B-42D3-AACE-B61AF64EB10C}" type="datetimeFigureOut">
               <a:rPr lang="en-IN" smtClean="0"/>
-              <a:t>21-02-2021</a:t>
+              <a:t>25-02-2021</a:t>
             </a:fld>
             <a:endParaRPr lang="en-IN"/>
           </a:p>
@@ -2794,7 +2795,7 @@
     </p:spTree>
     <p:extLst>
       <p:ext uri="{BB962C8B-B14F-4D97-AF65-F5344CB8AC3E}">
-        <p14:creationId xmlns:p14="http://schemas.microsoft.com/office/powerpoint/2010/main" val="19231817"/>
+        <p14:creationId xmlns:p14="http://schemas.microsoft.com/office/powerpoint/2010/main" val="2323477794"/>
       </p:ext>
     </p:extLst>
   </p:cSld>
@@ -2956,7 +2957,7 @@
           <a:p>
             <a:fld id="{984B0C5D-BA5B-42D3-AACE-B61AF64EB10C}" type="datetimeFigureOut">
               <a:rPr lang="en-IN" smtClean="0"/>
-              <a:t>21-02-2021</a:t>
+              <a:t>25-02-2021</a:t>
             </a:fld>
             <a:endParaRPr lang="en-IN"/>
           </a:p>
@@ -3047,23 +3048,23 @@
     </p:spTree>
     <p:extLst>
       <p:ext uri="{BB962C8B-B14F-4D97-AF65-F5344CB8AC3E}">
-        <p14:creationId xmlns:p14="http://schemas.microsoft.com/office/powerpoint/2010/main" val="1972788997"/>
+        <p14:creationId xmlns:p14="http://schemas.microsoft.com/office/powerpoint/2010/main" val="3409208702"/>
       </p:ext>
     </p:extLst>
   </p:cSld>
   <p:clrMap bg1="lt1" tx1="dk1" bg2="lt2" tx2="dk2" accent1="accent1" accent2="accent2" accent3="accent3" accent4="accent4" accent5="accent5" accent6="accent6" hlink="hlink" folHlink="folHlink"/>
   <p:sldLayoutIdLst>
-    <p:sldLayoutId id="2147483804" r:id="rId1"/>
-    <p:sldLayoutId id="2147483805" r:id="rId2"/>
-    <p:sldLayoutId id="2147483806" r:id="rId3"/>
-    <p:sldLayoutId id="2147483807" r:id="rId4"/>
-    <p:sldLayoutId id="2147483808" r:id="rId5"/>
-    <p:sldLayoutId id="2147483809" r:id="rId6"/>
-    <p:sldLayoutId id="2147483810" r:id="rId7"/>
-    <p:sldLayoutId id="2147483811" r:id="rId8"/>
-    <p:sldLayoutId id="2147483812" r:id="rId9"/>
-    <p:sldLayoutId id="2147483813" r:id="rId10"/>
-    <p:sldLayoutId id="2147483814" r:id="rId11"/>
+    <p:sldLayoutId id="2147483840" r:id="rId1"/>
+    <p:sldLayoutId id="2147483841" r:id="rId2"/>
+    <p:sldLayoutId id="2147483842" r:id="rId3"/>
+    <p:sldLayoutId id="2147483843" r:id="rId4"/>
+    <p:sldLayoutId id="2147483844" r:id="rId5"/>
+    <p:sldLayoutId id="2147483845" r:id="rId6"/>
+    <p:sldLayoutId id="2147483846" r:id="rId7"/>
+    <p:sldLayoutId id="2147483847" r:id="rId8"/>
+    <p:sldLayoutId id="2147483848" r:id="rId9"/>
+    <p:sldLayoutId id="2147483849" r:id="rId10"/>
+    <p:sldLayoutId id="2147483850" r:id="rId11"/>
   </p:sldLayoutIdLst>
   <p:txStyles>
     <p:titleStyle>
@@ -3378,6 +3379,14 @@
 <file path=ppt/slides/slide1.xml><?xml version="1.0" encoding="utf-8"?>
 <p:sld xmlns:a="http://schemas.openxmlformats.org/drawingml/2006/main" xmlns:r="http://schemas.openxmlformats.org/officeDocument/2006/relationships" xmlns:p="http://schemas.openxmlformats.org/presentationml/2006/main">
   <p:cSld>
+    <p:bg>
+      <p:bgPr>
+        <a:solidFill>
+          <a:schemeClr val="bg1"/>
+        </a:solidFill>
+        <a:effectLst/>
+      </p:bgPr>
+    </p:bg>
     <p:spTree>
       <p:nvGrpSpPr>
         <p:cNvPr id="1" name=""/>
@@ -3392,6 +3401,100 @@
           <a:chExt cx="0" cy="0"/>
         </a:xfrm>
       </p:grpSpPr>
+      <p:pic>
+        <p:nvPicPr>
+          <p:cNvPr id="5" name="Picture 4" descr="Multiple interweaving highways with cars driving in different directions">
+            <a:extLst>
+              <a:ext uri="{FF2B5EF4-FFF2-40B4-BE49-F238E27FC236}">
+                <a16:creationId xmlns:a16="http://schemas.microsoft.com/office/drawing/2014/main" id="{E5572D1C-F15F-43B9-B960-6DFC381EE183}"/>
+              </a:ext>
+            </a:extLst>
+          </p:cNvPr>
+          <p:cNvPicPr>
+            <a:picLocks noChangeAspect="1"/>
+          </p:cNvPicPr>
+          <p:nvPr/>
+        </p:nvPicPr>
+        <p:blipFill rotWithShape="1">
+          <a:blip r:embed="rId2"/>
+          <a:srcRect t="18021" r="9091" b="487"/>
+          <a:stretch/>
+        </p:blipFill>
+        <p:spPr>
+          <a:xfrm>
+            <a:off x="20" y="10"/>
+            <a:ext cx="12191980" cy="6857990"/>
+          </a:xfrm>
+          <a:prstGeom prst="rect">
+            <a:avLst/>
+          </a:prstGeom>
+        </p:spPr>
+      </p:pic>
+      <p:sp>
+        <p:nvSpPr>
+          <p:cNvPr id="15" name="Rectangle 14">
+            <a:extLst>
+              <a:ext uri="{FF2B5EF4-FFF2-40B4-BE49-F238E27FC236}">
+                <a16:creationId xmlns:a16="http://schemas.microsoft.com/office/drawing/2014/main" id="{F78FA41B-9A77-4FFE-A10F-9443EFDE6096}"/>
+              </a:ext>
+              <a:ext uri="{C183D7F6-B498-43B3-948B-1728B52AA6E4}">
+                <adec:decorative xmlns:adec="http://schemas.microsoft.com/office/drawing/2017/decorative" val="1"/>
+              </a:ext>
+            </a:extLst>
+          </p:cNvPr>
+          <p:cNvSpPr>
+            <a:spLocks noGrp="1" noRot="1" noChangeAspect="1" noMove="1" noResize="1" noEditPoints="1" noAdjustHandles="1" noChangeArrowheads="1" noChangeShapeType="1" noTextEdit="1"/>
+          </p:cNvSpPr>
+          <p:nvPr>
+            <p:extLst>
+              <p:ext uri="{386F3935-93C4-4BCD-93E2-E3B085C9AB24}">
+                <p16:designElem xmlns:p16="http://schemas.microsoft.com/office/powerpoint/2015/main" val="1"/>
+              </p:ext>
+            </p:extLst>
+          </p:nvPr>
+        </p:nvSpPr>
+        <p:spPr>
+          <a:xfrm>
+            <a:off x="0" y="2265037"/>
+            <a:ext cx="7534631" cy="2628694"/>
+          </a:xfrm>
+          <a:prstGeom prst="rect">
+            <a:avLst/>
+          </a:prstGeom>
+          <a:solidFill>
+            <a:schemeClr val="bg1">
+              <a:alpha val="80000"/>
+            </a:schemeClr>
+          </a:solidFill>
+          <a:ln>
+            <a:noFill/>
+          </a:ln>
+        </p:spPr>
+        <p:style>
+          <a:lnRef idx="2">
+            <a:schemeClr val="accent1">
+              <a:shade val="50000"/>
+            </a:schemeClr>
+          </a:lnRef>
+          <a:fillRef idx="1">
+            <a:schemeClr val="accent1"/>
+          </a:fillRef>
+          <a:effectRef idx="0">
+            <a:schemeClr val="accent1"/>
+          </a:effectRef>
+          <a:fontRef idx="minor">
+            <a:schemeClr val="lt1"/>
+          </a:fontRef>
+        </p:style>
+        <p:txBody>
+          <a:bodyPr rtlCol="0" anchor="ctr"/>
+          <a:lstStyle/>
+          <a:p>
+            <a:pPr algn="ctr"/>
+            <a:endParaRPr lang="en-US"/>
+          </a:p>
+        </p:txBody>
+      </p:sp>
       <p:sp>
         <p:nvSpPr>
           <p:cNvPr id="2" name="Title 1">
@@ -3408,13 +3511,24 @@
             <p:ph type="ctrTitle"/>
           </p:nvPr>
         </p:nvSpPr>
-        <p:spPr/>
-        <p:txBody>
-          <a:bodyPr/>
+        <p:spPr>
+          <a:xfrm>
+            <a:off x="603504" y="2477347"/>
+            <a:ext cx="6766928" cy="1645920"/>
+          </a:xfrm>
+        </p:spPr>
+        <p:txBody>
+          <a:bodyPr>
+            <a:normAutofit/>
+          </a:bodyPr>
           <a:lstStyle/>
           <a:p>
             <a:r>
-              <a:rPr lang="en-IN" dirty="0"/>
+              <a:rPr lang="en-IN" sz="5400">
+                <a:solidFill>
+                  <a:schemeClr val="tx1"/>
+                </a:solidFill>
+              </a:rPr>
               <a:t>Car Plate Number Detector</a:t>
             </a:r>
           </a:p>
@@ -3436,13 +3550,24 @@
             <p:ph type="subTitle" idx="1"/>
           </p:nvPr>
         </p:nvSpPr>
-        <p:spPr/>
-        <p:txBody>
-          <a:bodyPr/>
+        <p:spPr>
+          <a:xfrm>
+            <a:off x="667513" y="4206876"/>
+            <a:ext cx="6702920" cy="530821"/>
+          </a:xfrm>
+        </p:spPr>
+        <p:txBody>
+          <a:bodyPr>
+            <a:normAutofit/>
+          </a:bodyPr>
           <a:lstStyle/>
           <a:p>
             <a:r>
-              <a:rPr lang="en-IN" dirty="0"/>
+              <a:rPr lang="en-IN" sz="2000">
+                <a:solidFill>
+                  <a:schemeClr val="accent1"/>
+                </a:solidFill>
+              </a:rPr>
               <a:t>Sanjana Panda</a:t>
             </a:r>
           </a:p>
@@ -3456,14 +3581,161 @@
     </p:extLst>
   </p:cSld>
   <p:clrMapOvr>
-    <a:masterClrMapping/>
+    <a:overrideClrMapping bg1="dk1" tx1="lt1" bg2="dk2" tx2="lt2" accent1="accent1" accent2="accent2" accent3="accent3" accent4="accent4" accent5="accent5" accent6="accent6" hlink="hlink" folHlink="folHlink"/>
   </p:clrMapOvr>
+  <p:timing>
+    <p:tnLst>
+      <p:par>
+        <p:cTn id="1" dur="indefinite" restart="never" nodeType="tmRoot">
+          <p:childTnLst>
+            <p:seq concurrent="1" nextAc="seek">
+              <p:cTn id="2" dur="indefinite" nodeType="mainSeq">
+                <p:childTnLst>
+                  <p:par>
+                    <p:cTn id="3" fill="hold">
+                      <p:stCondLst>
+                        <p:cond delay="indefinite"/>
+                        <p:cond evt="onBegin" delay="0">
+                          <p:tn val="2"/>
+                        </p:cond>
+                      </p:stCondLst>
+                      <p:childTnLst>
+                        <p:par>
+                          <p:cTn id="4" fill="hold">
+                            <p:stCondLst>
+                              <p:cond delay="0"/>
+                            </p:stCondLst>
+                            <p:childTnLst>
+                              <p:par>
+                                <p:cTn id="5" presetID="10" presetClass="entr" presetSubtype="0" fill="hold" grpId="0" nodeType="withEffect">
+                                  <p:stCondLst>
+                                    <p:cond delay="2000"/>
+                                  </p:stCondLst>
+                                  <p:iterate type="lt">
+                                    <p:tmPct val="10000"/>
+                                  </p:iterate>
+                                  <p:childTnLst>
+                                    <p:set>
+                                      <p:cBhvr>
+                                        <p:cTn id="6" dur="1" fill="hold">
+                                          <p:stCondLst>
+                                            <p:cond delay="0"/>
+                                          </p:stCondLst>
+                                        </p:cTn>
+                                        <p:tgtEl>
+                                          <p:spTgt spid="3">
+                                            <p:txEl>
+                                              <p:pRg st="0" end="0"/>
+                                            </p:txEl>
+                                          </p:spTgt>
+                                        </p:tgtEl>
+                                        <p:attrNameLst>
+                                          <p:attrName>style.visibility</p:attrName>
+                                        </p:attrNameLst>
+                                      </p:cBhvr>
+                                      <p:to>
+                                        <p:strVal val="visible"/>
+                                      </p:to>
+                                    </p:set>
+                                    <p:animEffect transition="in" filter="fade">
+                                      <p:cBhvr>
+                                        <p:cTn id="7" dur="400"/>
+                                        <p:tgtEl>
+                                          <p:spTgt spid="3">
+                                            <p:txEl>
+                                              <p:pRg st="0" end="0"/>
+                                            </p:txEl>
+                                          </p:spTgt>
+                                        </p:tgtEl>
+                                      </p:cBhvr>
+                                    </p:animEffect>
+                                  </p:childTnLst>
+                                </p:cTn>
+                              </p:par>
+                              <p:par>
+                                <p:cTn id="8" presetID="10" presetClass="entr" presetSubtype="0" fill="hold" grpId="0" nodeType="withEffect">
+                                  <p:stCondLst>
+                                    <p:cond delay="1000"/>
+                                  </p:stCondLst>
+                                  <p:iterate type="lt">
+                                    <p:tmPct val="10000"/>
+                                  </p:iterate>
+                                  <p:childTnLst>
+                                    <p:set>
+                                      <p:cBhvr>
+                                        <p:cTn id="9" dur="1" fill="hold">
+                                          <p:stCondLst>
+                                            <p:cond delay="0"/>
+                                          </p:stCondLst>
+                                        </p:cTn>
+                                        <p:tgtEl>
+                                          <p:spTgt spid="2"/>
+                                        </p:tgtEl>
+                                        <p:attrNameLst>
+                                          <p:attrName>style.visibility</p:attrName>
+                                        </p:attrNameLst>
+                                      </p:cBhvr>
+                                      <p:to>
+                                        <p:strVal val="visible"/>
+                                      </p:to>
+                                    </p:set>
+                                    <p:animEffect transition="in" filter="fade">
+                                      <p:cBhvr>
+                                        <p:cTn id="10" dur="400"/>
+                                        <p:tgtEl>
+                                          <p:spTgt spid="2"/>
+                                        </p:tgtEl>
+                                      </p:cBhvr>
+                                    </p:animEffect>
+                                  </p:childTnLst>
+                                </p:cTn>
+                              </p:par>
+                            </p:childTnLst>
+                          </p:cTn>
+                        </p:par>
+                      </p:childTnLst>
+                    </p:cTn>
+                  </p:par>
+                </p:childTnLst>
+              </p:cTn>
+              <p:prevCondLst>
+                <p:cond evt="onPrev" delay="0">
+                  <p:tgtEl>
+                    <p:sldTgt/>
+                  </p:tgtEl>
+                </p:cond>
+              </p:prevCondLst>
+              <p:nextCondLst>
+                <p:cond evt="onNext" delay="0">
+                  <p:tgtEl>
+                    <p:sldTgt/>
+                  </p:tgtEl>
+                </p:cond>
+              </p:nextCondLst>
+            </p:seq>
+          </p:childTnLst>
+        </p:cTn>
+      </p:par>
+    </p:tnLst>
+    <p:bldLst>
+      <p:bldP spid="2" grpId="0"/>
+      <p:bldP spid="3" grpId="0" build="p"/>
+    </p:bldLst>
+  </p:timing>
 </p:sld>
 </file>
 
 <file path=ppt/slides/slide2.xml><?xml version="1.0" encoding="utf-8"?>
 <p:sld xmlns:a="http://schemas.openxmlformats.org/drawingml/2006/main" xmlns:r="http://schemas.openxmlformats.org/officeDocument/2006/relationships" xmlns:p="http://schemas.openxmlformats.org/presentationml/2006/main">
   <p:cSld>
+    <p:bg>
+      <p:bgPr>
+        <a:solidFill>
+          <a:schemeClr val="bg1"/>
+        </a:solidFill>
+        <a:effectLst/>
+      </p:bgPr>
+    </p:bg>
     <p:spTree>
       <p:nvGrpSpPr>
         <p:cNvPr id="1" name=""/>
@@ -3480,6 +3752,69 @@
       </p:grpSpPr>
       <p:sp>
         <p:nvSpPr>
+          <p:cNvPr id="34" name="Rectangle 33">
+            <a:extLst>
+              <a:ext uri="{FF2B5EF4-FFF2-40B4-BE49-F238E27FC236}">
+                <a16:creationId xmlns:a16="http://schemas.microsoft.com/office/drawing/2014/main" id="{AD6F6937-3B5A-4391-9F37-58A571B362A9}"/>
+              </a:ext>
+              <a:ext uri="{C183D7F6-B498-43B3-948B-1728B52AA6E4}">
+                <adec:decorative xmlns:adec="http://schemas.microsoft.com/office/drawing/2017/decorative" val="1"/>
+              </a:ext>
+            </a:extLst>
+          </p:cNvPr>
+          <p:cNvSpPr>
+            <a:spLocks noGrp="1" noRot="1" noChangeAspect="1" noMove="1" noResize="1" noEditPoints="1" noAdjustHandles="1" noChangeArrowheads="1" noChangeShapeType="1" noTextEdit="1"/>
+          </p:cNvSpPr>
+          <p:nvPr>
+            <p:extLst>
+              <p:ext uri="{386F3935-93C4-4BCD-93E2-E3B085C9AB24}">
+                <p16:designElem xmlns:p16="http://schemas.microsoft.com/office/powerpoint/2015/main" val="1"/>
+              </p:ext>
+            </p:extLst>
+          </p:nvPr>
+        </p:nvSpPr>
+        <p:spPr>
+          <a:xfrm>
+            <a:off x="0" y="0"/>
+            <a:ext cx="4059080" cy="6858000"/>
+          </a:xfrm>
+          <a:prstGeom prst="rect">
+            <a:avLst/>
+          </a:prstGeom>
+          <a:solidFill>
+            <a:schemeClr val="accent1"/>
+          </a:solidFill>
+          <a:ln>
+            <a:noFill/>
+          </a:ln>
+        </p:spPr>
+        <p:style>
+          <a:lnRef idx="2">
+            <a:schemeClr val="accent1">
+              <a:shade val="50000"/>
+            </a:schemeClr>
+          </a:lnRef>
+          <a:fillRef idx="1">
+            <a:schemeClr val="accent1"/>
+          </a:fillRef>
+          <a:effectRef idx="0">
+            <a:schemeClr val="accent1"/>
+          </a:effectRef>
+          <a:fontRef idx="minor">
+            <a:schemeClr val="lt1"/>
+          </a:fontRef>
+        </p:style>
+        <p:txBody>
+          <a:bodyPr rtlCol="0" anchor="ctr"/>
+          <a:lstStyle/>
+          <a:p>
+            <a:pPr algn="ctr"/>
+            <a:endParaRPr lang="en-US"/>
+          </a:p>
+        </p:txBody>
+      </p:sp>
+      <p:sp>
+        <p:nvSpPr>
           <p:cNvPr id="2" name="Title 1">
             <a:extLst>
               <a:ext uri="{FF2B5EF4-FFF2-40B4-BE49-F238E27FC236}">
@@ -3494,21 +3829,32 @@
             <p:ph type="title"/>
           </p:nvPr>
         </p:nvSpPr>
-        <p:spPr/>
-        <p:txBody>
-          <a:bodyPr/>
+        <p:spPr>
+          <a:xfrm>
+            <a:off x="657224" y="936711"/>
+            <a:ext cx="2988265" cy="4984578"/>
+          </a:xfrm>
+        </p:spPr>
+        <p:txBody>
+          <a:bodyPr>
+            <a:normAutofit/>
+          </a:bodyPr>
           <a:lstStyle/>
           <a:p>
             <a:r>
-              <a:rPr lang="en-IN" dirty="0"/>
-              <a:t>Problem</a:t>
-            </a:r>
-          </a:p>
-        </p:txBody>
-      </p:sp>
-      <p:sp>
-        <p:nvSpPr>
-          <p:cNvPr id="3" name="Content Placeholder 2">
+              <a:rPr lang="en-IN" sz="4400" dirty="0">
+                <a:solidFill>
+                  <a:srgbClr val="FFFFFF"/>
+                </a:solidFill>
+              </a:rPr>
+              <a:t>Problem Statement</a:t>
+            </a:r>
+          </a:p>
+        </p:txBody>
+      </p:sp>
+      <p:sp>
+        <p:nvSpPr>
+          <p:cNvPr id="20" name="Content Placeholder 2">
             <a:extLst>
               <a:ext uri="{FF2B5EF4-FFF2-40B4-BE49-F238E27FC236}">
                 <a16:creationId xmlns:a16="http://schemas.microsoft.com/office/drawing/2014/main" id="{B54D8D3D-422E-4B2B-950E-301C82758345}"/>
@@ -3522,47 +3868,52 @@
             <p:ph idx="1"/>
           </p:nvPr>
         </p:nvSpPr>
-        <p:spPr/>
-        <p:txBody>
-          <a:bodyPr/>
+        <p:spPr>
+          <a:xfrm>
+            <a:off x="4614389" y="936711"/>
+            <a:ext cx="6815992" cy="4984578"/>
+          </a:xfrm>
+        </p:spPr>
+        <p:txBody>
+          <a:bodyPr anchor="ctr">
+            <a:normAutofit/>
+          </a:bodyPr>
           <a:lstStyle/>
           <a:p>
-            <a:r>
-              <a:rPr lang="en-IN" dirty="0"/>
-              <a:t>In the day and age of images all around, one CV problem is recognising text from images.</a:t>
-            </a:r>
-            <a:endParaRPr lang="en-IN" b="1" dirty="0"/>
-          </a:p>
-          <a:p>
-            <a:r>
-              <a:rPr lang="en-IN" b="1" dirty="0"/>
-              <a:t>Aim: </a:t>
-            </a:r>
-            <a:r>
-              <a:rPr lang="en-IN" dirty="0"/>
-              <a:t>Is to recognise car plate number from images. </a:t>
-            </a:r>
-          </a:p>
-          <a:p>
-            <a:r>
-              <a:rPr lang="en-IN" b="1" dirty="0"/>
-              <a:t>Data: </a:t>
-            </a:r>
-            <a:r>
-              <a:rPr lang="en-IN" dirty="0"/>
-              <a:t>Data was collected from Kaggle. 430 images of cars are collected.</a:t>
-            </a:r>
-          </a:p>
-          <a:p>
-            <a:r>
-              <a:rPr lang="en-IN" b="1" dirty="0"/>
-              <a:t>Process: </a:t>
-            </a:r>
-            <a:r>
-              <a:rPr lang="en-IN" dirty="0"/>
-              <a:t>Step 1: Detecting car plate. Step 2: Number Recognising.</a:t>
-            </a:r>
-            <a:endParaRPr lang="en-IN" b="1" dirty="0"/>
+            <a:pPr marL="0" indent="0">
+              <a:buNone/>
+            </a:pPr>
+            <a:r>
+              <a:rPr lang="en-US"/>
+              <a:t>Car </a:t>
+            </a:r>
+            <a:r>
+              <a:rPr lang="en-US" err="1"/>
+              <a:t>Rento</a:t>
+            </a:r>
+            <a:r>
+              <a:rPr lang="en-US"/>
+              <a:t>, a car renting company is looking for a solution to recognize car plate number from images.</a:t>
+            </a:r>
+          </a:p>
+          <a:p>
+            <a:pPr marL="0" indent="0">
+              <a:buNone/>
+            </a:pPr>
+            <a:r>
+              <a:rPr lang="en-US"/>
+              <a:t>They want to add a new verification process in their app, wherein the customer uploads images of the car before and after a ride. One of the steps in the verification would be identifying the car plate number from the image.</a:t>
+            </a:r>
+          </a:p>
+          <a:p>
+            <a:pPr marL="0" indent="0">
+              <a:buNone/>
+            </a:pPr>
+            <a:r>
+              <a:rPr lang="en-US"/>
+              <a:t>Hence, aim of this project is to build a model that would extract car plate number from images.</a:t>
+            </a:r>
+            <a:endParaRPr lang="en-IN"/>
           </a:p>
         </p:txBody>
       </p:sp>
@@ -3601,7 +3952,7 @@
           <p:cNvPr id="2" name="Title 1">
             <a:extLst>
               <a:ext uri="{FF2B5EF4-FFF2-40B4-BE49-F238E27FC236}">
-                <a16:creationId xmlns:a16="http://schemas.microsoft.com/office/drawing/2014/main" id="{5F1F2EA3-CD2E-470D-BD45-8D49D04A03FC}"/>
+                <a16:creationId xmlns:a16="http://schemas.microsoft.com/office/drawing/2014/main" id="{B71397D6-1C74-4130-ACD2-533DF7C8BB80}"/>
               </a:ext>
             </a:extLst>
           </p:cNvPr>
@@ -3612,409 +3963,398 @@
             <p:ph type="title"/>
           </p:nvPr>
         </p:nvSpPr>
-        <p:spPr/>
+        <p:spPr>
+          <a:xfrm>
+            <a:off x="657224" y="486292"/>
+            <a:ext cx="10772775" cy="850802"/>
+          </a:xfrm>
+        </p:spPr>
         <p:txBody>
           <a:bodyPr/>
           <a:lstStyle/>
           <a:p>
             <a:r>
-              <a:rPr lang="en-IN" b="1" dirty="0"/>
-              <a:t>Project Architecture</a:t>
-            </a:r>
-          </a:p>
-        </p:txBody>
-      </p:sp>
-      <p:sp>
-        <p:nvSpPr>
-          <p:cNvPr id="7" name="Rectangle: Rounded Corners 6">
+              <a:rPr lang="en-US" dirty="0"/>
+              <a:t>Data</a:t>
+            </a:r>
+            <a:endParaRPr lang="en-IN" dirty="0"/>
+          </a:p>
+        </p:txBody>
+      </p:sp>
+      <p:sp>
+        <p:nvSpPr>
+          <p:cNvPr id="3" name="Content Placeholder 2">
             <a:extLst>
               <a:ext uri="{FF2B5EF4-FFF2-40B4-BE49-F238E27FC236}">
-                <a16:creationId xmlns:a16="http://schemas.microsoft.com/office/drawing/2014/main" id="{65C36344-DEF2-489F-A98F-932742C95253}"/>
+                <a16:creationId xmlns:a16="http://schemas.microsoft.com/office/drawing/2014/main" id="{2C51DAF9-8E4B-463A-8A8A-A4629F8D0DC7}"/>
               </a:ext>
             </a:extLst>
           </p:cNvPr>
-          <p:cNvSpPr/>
-          <p:nvPr/>
+          <p:cNvSpPr>
+            <a:spLocks noGrp="1"/>
+          </p:cNvSpPr>
+          <p:nvPr>
+            <p:ph idx="1"/>
+          </p:nvPr>
         </p:nvSpPr>
         <p:spPr>
           <a:xfrm>
-            <a:off x="1656522" y="2924035"/>
-            <a:ext cx="3872948" cy="2226365"/>
+            <a:off x="657224" y="1337094"/>
+            <a:ext cx="10753725" cy="1520455"/>
           </a:xfrm>
-          <a:prstGeom prst="roundRect">
-            <a:avLst/>
-          </a:prstGeom>
         </p:spPr>
-        <p:style>
-          <a:lnRef idx="1">
-            <a:schemeClr val="accent1"/>
-          </a:lnRef>
-          <a:fillRef idx="3">
-            <a:schemeClr val="accent1"/>
-          </a:fillRef>
-          <a:effectRef idx="2">
-            <a:schemeClr val="accent1"/>
-          </a:effectRef>
-          <a:fontRef idx="minor">
-            <a:schemeClr val="lt1"/>
-          </a:fontRef>
-        </p:style>
-        <p:txBody>
-          <a:bodyPr rtlCol="0" anchor="ctr"/>
+        <p:txBody>
+          <a:bodyPr/>
           <a:lstStyle/>
           <a:p>
-            <a:pPr algn="ctr"/>
-            <a:r>
-              <a:rPr lang="en-IN" sz="2400" b="1" dirty="0"/>
-              <a:t>Object Detection</a:t>
-            </a:r>
-          </a:p>
-          <a:p>
-            <a:pPr algn="ctr"/>
-            <a:endParaRPr lang="en-IN" sz="2400" b="1" dirty="0"/>
-          </a:p>
-          <a:p>
-            <a:pPr marL="285750" indent="-285750" algn="ctr">
-              <a:buFont typeface="Arial" panose="020B0604020202020204" pitchFamily="34" charset="0"/>
-              <a:buChar char="•"/>
-            </a:pPr>
-            <a:r>
-              <a:rPr lang="en-IN" sz="1600" b="1" dirty="0"/>
-              <a:t>Generate the </a:t>
-            </a:r>
-            <a:r>
-              <a:rPr lang="en-IN" sz="1600" b="1" dirty="0" err="1"/>
-              <a:t>TFRecord</a:t>
-            </a:r>
-            <a:endParaRPr lang="en-IN" sz="1600" b="1" dirty="0"/>
-          </a:p>
-          <a:p>
-            <a:pPr marL="285750" indent="-285750" algn="ctr">
-              <a:buFont typeface="Arial" panose="020B0604020202020204" pitchFamily="34" charset="0"/>
-              <a:buChar char="•"/>
-            </a:pPr>
-            <a:r>
-              <a:rPr lang="en-IN" sz="1600" b="1" dirty="0"/>
-              <a:t>Train the model – ‘ssd_mobilenet_v2_fpnlite_640x640’</a:t>
-            </a:r>
-          </a:p>
-          <a:p>
-            <a:pPr marL="285750" indent="-285750" algn="ctr">
-              <a:buFont typeface="Arial" panose="020B0604020202020204" pitchFamily="34" charset="0"/>
-              <a:buChar char="•"/>
-            </a:pPr>
-            <a:r>
-              <a:rPr lang="en-IN" sz="1600" b="1" dirty="0"/>
-              <a:t>Export the model</a:t>
-            </a:r>
-          </a:p>
-        </p:txBody>
-      </p:sp>
-      <p:sp>
-        <p:nvSpPr>
-          <p:cNvPr id="8" name="Rectangle: Rounded Corners 7">
+            <a:r>
+              <a:rPr lang="en-US" dirty="0"/>
+              <a:t>Data was collected from Kaggle</a:t>
+            </a:r>
+            <a:r>
+              <a:rPr lang="en-IN" dirty="0"/>
+              <a:t>.</a:t>
+            </a:r>
+          </a:p>
+          <a:p>
+            <a:r>
+              <a:rPr lang="en-IN" dirty="0"/>
+              <a:t>Around 450 images were used for building the model.</a:t>
+            </a:r>
+          </a:p>
+          <a:p>
+            <a:r>
+              <a:rPr lang="en-IN" dirty="0"/>
+              <a:t>Along with images, corresponding annotation files is also present.</a:t>
+            </a:r>
+          </a:p>
+          <a:p>
+            <a:endParaRPr lang="en-US" dirty="0"/>
+          </a:p>
+        </p:txBody>
+      </p:sp>
+      <p:sp>
+        <p:nvSpPr>
+          <p:cNvPr id="4" name="Title 1">
             <a:extLst>
               <a:ext uri="{FF2B5EF4-FFF2-40B4-BE49-F238E27FC236}">
-                <a16:creationId xmlns:a16="http://schemas.microsoft.com/office/drawing/2014/main" id="{52987A6A-FBED-41C8-94BC-7DCD98D06A3B}"/>
+                <a16:creationId xmlns:a16="http://schemas.microsoft.com/office/drawing/2014/main" id="{C6564474-BC49-4E1C-84CF-7B7647039688}"/>
               </a:ext>
             </a:extLst>
           </p:cNvPr>
-          <p:cNvSpPr/>
+          <p:cNvSpPr txBox="1">
+            <a:spLocks/>
+          </p:cNvSpPr>
           <p:nvPr/>
         </p:nvSpPr>
         <p:spPr>
           <a:xfrm>
-            <a:off x="6662531" y="2924034"/>
-            <a:ext cx="3872948" cy="2226365"/>
-          </a:xfrm>
-          <a:prstGeom prst="roundRect">
-            <a:avLst/>
-          </a:prstGeom>
-        </p:spPr>
-        <p:style>
-          <a:lnRef idx="1">
-            <a:schemeClr val="accent1"/>
-          </a:lnRef>
-          <a:fillRef idx="3">
-            <a:schemeClr val="accent1"/>
-          </a:fillRef>
-          <a:effectRef idx="2">
-            <a:schemeClr val="accent1"/>
-          </a:effectRef>
-          <a:fontRef idx="minor">
-            <a:schemeClr val="lt1"/>
-          </a:fontRef>
-        </p:style>
-        <p:txBody>
-          <a:bodyPr rtlCol="0" anchor="ctr"/>
-          <a:lstStyle/>
-          <a:p>
-            <a:pPr algn="ctr"/>
-            <a:r>
-              <a:rPr lang="en-IN" sz="2400" b="1" dirty="0"/>
-              <a:t>Text Recognition</a:t>
-            </a:r>
-          </a:p>
-          <a:p>
-            <a:pPr algn="ctr"/>
-            <a:endParaRPr lang="en-IN" sz="2400" b="1" dirty="0"/>
-          </a:p>
-          <a:p>
-            <a:pPr marL="285750" indent="-285750" algn="ctr">
-              <a:buFont typeface="Arial" panose="020B0604020202020204" pitchFamily="34" charset="0"/>
-              <a:buChar char="•"/>
-            </a:pPr>
-            <a:r>
-              <a:rPr lang="en-IN" sz="1600" b="1" dirty="0"/>
-              <a:t>Crop Image</a:t>
-            </a:r>
-          </a:p>
-          <a:p>
-            <a:pPr marL="285750" indent="-285750" algn="ctr">
-              <a:buFont typeface="Arial" panose="020B0604020202020204" pitchFamily="34" charset="0"/>
-              <a:buChar char="•"/>
-            </a:pPr>
-            <a:r>
-              <a:rPr lang="en-IN" sz="1600" b="1" dirty="0"/>
-              <a:t>Clean Images</a:t>
-            </a:r>
-          </a:p>
-          <a:p>
-            <a:pPr marL="285750" indent="-285750" algn="ctr">
-              <a:buFont typeface="Arial" panose="020B0604020202020204" pitchFamily="34" charset="0"/>
-              <a:buChar char="•"/>
-            </a:pPr>
-            <a:r>
-              <a:rPr lang="en-IN" sz="1600" b="1" dirty="0"/>
-              <a:t>Perform binarization using </a:t>
-            </a:r>
-            <a:r>
-              <a:rPr lang="en-IN" sz="1600" b="1" dirty="0" err="1"/>
-              <a:t>OCRopus</a:t>
-            </a:r>
-            <a:endParaRPr lang="en-IN" sz="1600" b="1" dirty="0"/>
-          </a:p>
-          <a:p>
-            <a:pPr marL="285750" indent="-285750" algn="ctr">
-              <a:buFont typeface="Arial" panose="020B0604020202020204" pitchFamily="34" charset="0"/>
-              <a:buChar char="•"/>
-            </a:pPr>
-            <a:r>
-              <a:rPr lang="en-IN" sz="1600" b="1" dirty="0"/>
-              <a:t>Recognise Character using Tesseract</a:t>
-            </a:r>
-          </a:p>
-          <a:p>
-            <a:pPr marL="285750" indent="-285750" algn="ctr">
-              <a:buFont typeface="Arial" panose="020B0604020202020204" pitchFamily="34" charset="0"/>
-              <a:buChar char="•"/>
-            </a:pPr>
-            <a:r>
-              <a:rPr lang="en-IN" sz="1600" b="1" dirty="0"/>
-              <a:t>Output Pre-processing</a:t>
-            </a:r>
-          </a:p>
-        </p:txBody>
-      </p:sp>
-      <p:cxnSp>
-        <p:nvCxnSpPr>
-          <p:cNvPr id="10" name="Straight Arrow Connector 9">
-            <a:extLst>
-              <a:ext uri="{FF2B5EF4-FFF2-40B4-BE49-F238E27FC236}">
-                <a16:creationId xmlns:a16="http://schemas.microsoft.com/office/drawing/2014/main" id="{C60B4364-B483-4077-AAF7-A98EC1617552}"/>
-              </a:ext>
-            </a:extLst>
-          </p:cNvPr>
-          <p:cNvCxnSpPr>
-            <a:stCxn id="7" idx="3"/>
-            <a:endCxn id="8" idx="1"/>
-          </p:cNvCxnSpPr>
-          <p:nvPr/>
-        </p:nvCxnSpPr>
-        <p:spPr>
-          <a:xfrm flipV="1">
-            <a:off x="5529470" y="4037217"/>
-            <a:ext cx="1133061" cy="1"/>
-          </a:xfrm>
-          <a:prstGeom prst="straightConnector1">
-            <a:avLst/>
-          </a:prstGeom>
-          <a:ln>
-            <a:tailEnd type="triangle"/>
-          </a:ln>
-        </p:spPr>
-        <p:style>
-          <a:lnRef idx="3">
-            <a:schemeClr val="accent1"/>
-          </a:lnRef>
-          <a:fillRef idx="0">
-            <a:schemeClr val="accent1"/>
-          </a:fillRef>
-          <a:effectRef idx="2">
-            <a:schemeClr val="accent1"/>
-          </a:effectRef>
-          <a:fontRef idx="minor">
-            <a:schemeClr val="tx1"/>
-          </a:fontRef>
-        </p:style>
-      </p:cxnSp>
-      <p:cxnSp>
-        <p:nvCxnSpPr>
-          <p:cNvPr id="13" name="Connector: Elbow 12">
-            <a:extLst>
-              <a:ext uri="{FF2B5EF4-FFF2-40B4-BE49-F238E27FC236}">
-                <a16:creationId xmlns:a16="http://schemas.microsoft.com/office/drawing/2014/main" id="{864A2692-B740-4546-8E22-EC9514CF7AF4}"/>
-              </a:ext>
-            </a:extLst>
-          </p:cNvPr>
-          <p:cNvCxnSpPr>
-            <a:cxnSpLocks/>
-            <a:endCxn id="7" idx="1"/>
-          </p:cNvCxnSpPr>
-          <p:nvPr/>
-        </p:nvCxnSpPr>
-        <p:spPr>
-          <a:xfrm rot="16200000" flipH="1">
-            <a:off x="579784" y="2960480"/>
-            <a:ext cx="1335154" cy="818322"/>
-          </a:xfrm>
-          <a:prstGeom prst="bentConnector2">
-            <a:avLst/>
-          </a:prstGeom>
-          <a:ln>
-            <a:tailEnd type="triangle"/>
-          </a:ln>
-        </p:spPr>
-        <p:style>
-          <a:lnRef idx="3">
-            <a:schemeClr val="accent1"/>
-          </a:lnRef>
-          <a:fillRef idx="0">
-            <a:schemeClr val="accent1"/>
-          </a:fillRef>
-          <a:effectRef idx="2">
-            <a:schemeClr val="accent1"/>
-          </a:effectRef>
-          <a:fontRef idx="minor">
-            <a:schemeClr val="tx1"/>
-          </a:fontRef>
-        </p:style>
-      </p:cxnSp>
-      <p:cxnSp>
-        <p:nvCxnSpPr>
-          <p:cNvPr id="16" name="Connector: Elbow 15">
-            <a:extLst>
-              <a:ext uri="{FF2B5EF4-FFF2-40B4-BE49-F238E27FC236}">
-                <a16:creationId xmlns:a16="http://schemas.microsoft.com/office/drawing/2014/main" id="{9DEED35C-87F7-47FD-AD2E-46678C0CA021}"/>
-              </a:ext>
-            </a:extLst>
-          </p:cNvPr>
-          <p:cNvCxnSpPr>
-            <a:stCxn id="8" idx="3"/>
-          </p:cNvCxnSpPr>
-          <p:nvPr/>
-        </p:nvCxnSpPr>
-        <p:spPr>
-          <a:xfrm>
-            <a:off x="10535479" y="4037217"/>
-            <a:ext cx="818321" cy="1738312"/>
-          </a:xfrm>
-          <a:prstGeom prst="bentConnector2">
-            <a:avLst/>
-          </a:prstGeom>
-          <a:ln>
-            <a:tailEnd type="triangle"/>
-          </a:ln>
-        </p:spPr>
-        <p:style>
-          <a:lnRef idx="3">
-            <a:schemeClr val="accent1"/>
-          </a:lnRef>
-          <a:fillRef idx="0">
-            <a:schemeClr val="accent1"/>
-          </a:fillRef>
-          <a:effectRef idx="2">
-            <a:schemeClr val="accent1"/>
-          </a:effectRef>
-          <a:fontRef idx="minor">
-            <a:schemeClr val="tx1"/>
-          </a:fontRef>
-        </p:style>
-      </p:cxnSp>
-      <p:sp>
-        <p:nvSpPr>
-          <p:cNvPr id="17" name="TextBox 16">
-            <a:extLst>
-              <a:ext uri="{FF2B5EF4-FFF2-40B4-BE49-F238E27FC236}">
-                <a16:creationId xmlns:a16="http://schemas.microsoft.com/office/drawing/2014/main" id="{AFC56D4D-A23A-48BB-9A7E-2461F6F8802E}"/>
-              </a:ext>
-            </a:extLst>
-          </p:cNvPr>
-          <p:cNvSpPr txBox="1"/>
-          <p:nvPr/>
-        </p:nvSpPr>
-        <p:spPr>
-          <a:xfrm>
-            <a:off x="187517" y="1707600"/>
-            <a:ext cx="1879822" cy="1015663"/>
+            <a:off x="657224" y="2982531"/>
+            <a:ext cx="10772775" cy="850802"/>
           </a:xfrm>
           <a:prstGeom prst="rect">
             <a:avLst/>
           </a:prstGeom>
-          <a:noFill/>
         </p:spPr>
         <p:txBody>
-          <a:bodyPr wrap="square" rtlCol="0">
-            <a:spAutoFit/>
+          <a:bodyPr vert="horz" lIns="91440" tIns="45720" rIns="91440" bIns="45720" rtlCol="0" anchor="ctr">
+            <a:normAutofit/>
           </a:bodyPr>
-          <a:lstStyle/>
-          <a:p>
-            <a:r>
-              <a:rPr lang="en-IN" sz="2000" b="1" dirty="0"/>
-              <a:t>Input Data – Images and Annotations</a:t>
-            </a:r>
-          </a:p>
-        </p:txBody>
-      </p:sp>
-      <p:sp>
-        <p:nvSpPr>
-          <p:cNvPr id="18" name="TextBox 17">
+          <a:lstStyle>
+            <a:lvl1pPr algn="l" defTabSz="914400" rtl="0" eaLnBrk="1" latinLnBrk="0" hangingPunct="1">
+              <a:lnSpc>
+                <a:spcPct val="85000"/>
+              </a:lnSpc>
+              <a:spcBef>
+                <a:spcPct val="0"/>
+              </a:spcBef>
+              <a:buNone/>
+              <a:defRPr sz="5400" kern="1200" spc="-120" baseline="0">
+                <a:solidFill>
+                  <a:schemeClr val="accent1"/>
+                </a:solidFill>
+                <a:latin typeface="+mj-lt"/>
+                <a:ea typeface="+mj-ea"/>
+                <a:cs typeface="+mj-cs"/>
+              </a:defRPr>
+            </a:lvl1pPr>
+          </a:lstStyle>
+          <a:p>
+            <a:r>
+              <a:rPr lang="en-US" dirty="0"/>
+              <a:t>Approach</a:t>
+            </a:r>
+            <a:endParaRPr lang="en-IN" dirty="0"/>
+          </a:p>
+        </p:txBody>
+      </p:sp>
+      <p:sp>
+        <p:nvSpPr>
+          <p:cNvPr id="5" name="Content Placeholder 2">
             <a:extLst>
               <a:ext uri="{FF2B5EF4-FFF2-40B4-BE49-F238E27FC236}">
-                <a16:creationId xmlns:a16="http://schemas.microsoft.com/office/drawing/2014/main" id="{370BB395-9AA0-43E6-AEBF-C64C5F1FDEBF}"/>
+                <a16:creationId xmlns:a16="http://schemas.microsoft.com/office/drawing/2014/main" id="{57E7E76F-EF74-4E65-93CD-5D0828E68FC3}"/>
               </a:ext>
             </a:extLst>
           </p:cNvPr>
-          <p:cNvSpPr txBox="1"/>
+          <p:cNvSpPr txBox="1">
+            <a:spLocks/>
+          </p:cNvSpPr>
           <p:nvPr/>
         </p:nvSpPr>
         <p:spPr>
           <a:xfrm>
-            <a:off x="10535479" y="5775529"/>
-            <a:ext cx="1546196" cy="400110"/>
+            <a:off x="647698" y="4104563"/>
+            <a:ext cx="10753725" cy="2540786"/>
           </a:xfrm>
           <a:prstGeom prst="rect">
             <a:avLst/>
           </a:prstGeom>
-          <a:noFill/>
         </p:spPr>
         <p:txBody>
-          <a:bodyPr wrap="square" rtlCol="0">
-            <a:spAutoFit/>
+          <a:bodyPr vert="horz" lIns="91440" tIns="45720" rIns="91440" bIns="45720" rtlCol="0">
+            <a:normAutofit/>
           </a:bodyPr>
-          <a:lstStyle/>
-          <a:p>
-            <a:r>
-              <a:rPr lang="en-IN" sz="2000" b="1" dirty="0"/>
-              <a:t>Output Data</a:t>
-            </a:r>
+          <a:lstStyle>
+            <a:lvl1pPr marL="91440" indent="-91440" algn="l" defTabSz="914400" rtl="0" eaLnBrk="1" latinLnBrk="0" hangingPunct="1">
+              <a:lnSpc>
+                <a:spcPct val="85000"/>
+              </a:lnSpc>
+              <a:spcBef>
+                <a:spcPts val="1300"/>
+              </a:spcBef>
+              <a:buFont typeface="Arial" pitchFamily="34" charset="0"/>
+              <a:buChar char=" "/>
+              <a:defRPr sz="2400" kern="1200">
+                <a:solidFill>
+                  <a:schemeClr val="tx1">
+                    <a:lumMod val="85000"/>
+                    <a:lumOff val="15000"/>
+                  </a:schemeClr>
+                </a:solidFill>
+                <a:latin typeface="+mn-lt"/>
+                <a:ea typeface="+mn-ea"/>
+                <a:cs typeface="+mn-cs"/>
+              </a:defRPr>
+            </a:lvl1pPr>
+            <a:lvl2pPr marL="347472" indent="-342900" algn="l" defTabSz="914400" rtl="0" eaLnBrk="1" latinLnBrk="0" hangingPunct="1">
+              <a:lnSpc>
+                <a:spcPct val="85000"/>
+              </a:lnSpc>
+              <a:spcBef>
+                <a:spcPts val="600"/>
+              </a:spcBef>
+              <a:buFont typeface="Arial" pitchFamily="34" charset="0"/>
+              <a:buChar char=" "/>
+              <a:defRPr sz="2400" kern="1200">
+                <a:solidFill>
+                  <a:schemeClr val="tx1">
+                    <a:lumMod val="85000"/>
+                    <a:lumOff val="15000"/>
+                  </a:schemeClr>
+                </a:solidFill>
+                <a:latin typeface="+mn-lt"/>
+                <a:ea typeface="+mn-ea"/>
+                <a:cs typeface="+mn-cs"/>
+              </a:defRPr>
+            </a:lvl2pPr>
+            <a:lvl3pPr marL="548640" indent="-548640" algn="l" defTabSz="914400" rtl="0" eaLnBrk="1" latinLnBrk="0" hangingPunct="1">
+              <a:lnSpc>
+                <a:spcPct val="85000"/>
+              </a:lnSpc>
+              <a:spcBef>
+                <a:spcPts val="600"/>
+              </a:spcBef>
+              <a:buFont typeface="Arial" pitchFamily="34" charset="0"/>
+              <a:buChar char=" "/>
+              <a:defRPr sz="2000" i="1" kern="1200">
+                <a:solidFill>
+                  <a:schemeClr val="tx1">
+                    <a:lumMod val="85000"/>
+                    <a:lumOff val="15000"/>
+                  </a:schemeClr>
+                </a:solidFill>
+                <a:latin typeface="+mn-lt"/>
+                <a:ea typeface="+mn-ea"/>
+                <a:cs typeface="+mn-cs"/>
+              </a:defRPr>
+            </a:lvl3pPr>
+            <a:lvl4pPr marL="822960" indent="-822960" algn="l" defTabSz="914400" rtl="0" eaLnBrk="1" latinLnBrk="0" hangingPunct="1">
+              <a:lnSpc>
+                <a:spcPct val="85000"/>
+              </a:lnSpc>
+              <a:spcBef>
+                <a:spcPts val="600"/>
+              </a:spcBef>
+              <a:buFont typeface="Arial" pitchFamily="34" charset="0"/>
+              <a:buChar char=" "/>
+              <a:defRPr sz="1800" kern="1200">
+                <a:solidFill>
+                  <a:schemeClr val="tx1">
+                    <a:lumMod val="85000"/>
+                    <a:lumOff val="15000"/>
+                  </a:schemeClr>
+                </a:solidFill>
+                <a:latin typeface="+mn-lt"/>
+                <a:ea typeface="+mn-ea"/>
+                <a:cs typeface="+mn-cs"/>
+              </a:defRPr>
+            </a:lvl4pPr>
+            <a:lvl5pPr marL="1097280" indent="-1097280" algn="l" defTabSz="914400" rtl="0" eaLnBrk="1" latinLnBrk="0" hangingPunct="1">
+              <a:lnSpc>
+                <a:spcPct val="85000"/>
+              </a:lnSpc>
+              <a:spcBef>
+                <a:spcPts val="600"/>
+              </a:spcBef>
+              <a:buFont typeface="Arial" pitchFamily="34" charset="0"/>
+              <a:buChar char=" "/>
+              <a:defRPr sz="1800" kern="1200">
+                <a:solidFill>
+                  <a:schemeClr val="tx1">
+                    <a:lumMod val="85000"/>
+                    <a:lumOff val="15000"/>
+                  </a:schemeClr>
+                </a:solidFill>
+                <a:latin typeface="+mn-lt"/>
+                <a:ea typeface="+mn-ea"/>
+                <a:cs typeface="+mn-cs"/>
+              </a:defRPr>
+            </a:lvl5pPr>
+            <a:lvl6pPr marL="1200000" indent="-228600" algn="l" defTabSz="914400" rtl="0" eaLnBrk="1" latinLnBrk="0" hangingPunct="1">
+              <a:lnSpc>
+                <a:spcPct val="85000"/>
+              </a:lnSpc>
+              <a:spcBef>
+                <a:spcPts val="600"/>
+              </a:spcBef>
+              <a:buFont typeface="Arial" pitchFamily="34" charset="0"/>
+              <a:buChar char=" "/>
+              <a:defRPr sz="1800" kern="1200">
+                <a:solidFill>
+                  <a:schemeClr val="tx1">
+                    <a:lumMod val="85000"/>
+                    <a:lumOff val="15000"/>
+                  </a:schemeClr>
+                </a:solidFill>
+                <a:latin typeface="+mn-lt"/>
+                <a:ea typeface="+mn-ea"/>
+                <a:cs typeface="+mn-cs"/>
+              </a:defRPr>
+            </a:lvl6pPr>
+            <a:lvl7pPr marL="1400000" indent="-228600" algn="l" defTabSz="914400" rtl="0" eaLnBrk="1" latinLnBrk="0" hangingPunct="1">
+              <a:lnSpc>
+                <a:spcPct val="85000"/>
+              </a:lnSpc>
+              <a:spcBef>
+                <a:spcPts val="600"/>
+              </a:spcBef>
+              <a:buFont typeface="Arial" pitchFamily="34" charset="0"/>
+              <a:buChar char=" "/>
+              <a:defRPr sz="1800" kern="1200">
+                <a:solidFill>
+                  <a:schemeClr val="tx1">
+                    <a:lumMod val="85000"/>
+                    <a:lumOff val="15000"/>
+                  </a:schemeClr>
+                </a:solidFill>
+                <a:latin typeface="+mn-lt"/>
+                <a:ea typeface="+mn-ea"/>
+                <a:cs typeface="+mn-cs"/>
+              </a:defRPr>
+            </a:lvl7pPr>
+            <a:lvl8pPr marL="1600000" indent="-228600" algn="l" defTabSz="914400" rtl="0" eaLnBrk="1" latinLnBrk="0" hangingPunct="1">
+              <a:lnSpc>
+                <a:spcPct val="85000"/>
+              </a:lnSpc>
+              <a:spcBef>
+                <a:spcPts val="600"/>
+              </a:spcBef>
+              <a:buFont typeface="Arial" pitchFamily="34" charset="0"/>
+              <a:buChar char=" "/>
+              <a:defRPr sz="1800" kern="1200">
+                <a:solidFill>
+                  <a:schemeClr val="tx1">
+                    <a:lumMod val="85000"/>
+                    <a:lumOff val="15000"/>
+                  </a:schemeClr>
+                </a:solidFill>
+                <a:latin typeface="+mn-lt"/>
+                <a:ea typeface="+mn-ea"/>
+                <a:cs typeface="+mn-cs"/>
+              </a:defRPr>
+            </a:lvl8pPr>
+            <a:lvl9pPr marL="1800000" indent="-228600" algn="l" defTabSz="914400" rtl="0" eaLnBrk="1" latinLnBrk="0" hangingPunct="1">
+              <a:lnSpc>
+                <a:spcPct val="85000"/>
+              </a:lnSpc>
+              <a:spcBef>
+                <a:spcPts val="600"/>
+              </a:spcBef>
+              <a:buFont typeface="Arial" pitchFamily="34" charset="0"/>
+              <a:buChar char=" "/>
+              <a:defRPr sz="1800" kern="1200">
+                <a:solidFill>
+                  <a:schemeClr val="tx1">
+                    <a:lumMod val="85000"/>
+                    <a:lumOff val="15000"/>
+                  </a:schemeClr>
+                </a:solidFill>
+                <a:latin typeface="+mn-lt"/>
+                <a:ea typeface="+mn-ea"/>
+                <a:cs typeface="+mn-cs"/>
+              </a:defRPr>
+            </a:lvl9pPr>
+          </a:lstStyle>
+          <a:p>
+            <a:r>
+              <a:rPr lang="en-US" dirty="0"/>
+              <a:t>This problem can be divided into two parts:</a:t>
+            </a:r>
+          </a:p>
+          <a:p>
+            <a:r>
+              <a:rPr lang="en-US" dirty="0"/>
+              <a:t>1. Detecting car plate from images. For which transfer learning on a TensorFlow’s Object Detection model (</a:t>
+            </a:r>
+            <a:r>
+              <a:rPr lang="en-US" dirty="0" err="1"/>
+              <a:t>ssd</a:t>
+            </a:r>
+            <a:r>
+              <a:rPr lang="en-US" dirty="0"/>
+              <a:t> </a:t>
+            </a:r>
+            <a:r>
+              <a:rPr lang="en-US" dirty="0" err="1"/>
+              <a:t>mobinet</a:t>
+            </a:r>
+            <a:r>
+              <a:rPr lang="en-US" dirty="0"/>
+              <a:t> model) is used.</a:t>
+            </a:r>
+          </a:p>
+          <a:p>
+            <a:r>
+              <a:rPr lang="en-US" dirty="0"/>
+              <a:t>2. After detecting the car plate, extract text within the region. Character Recognition is done using </a:t>
+            </a:r>
+            <a:r>
+              <a:rPr lang="en-US" dirty="0" err="1"/>
+              <a:t>OCRopus</a:t>
+            </a:r>
+            <a:r>
+              <a:rPr lang="en-US" dirty="0"/>
+              <a:t> and Tesseract. </a:t>
+            </a:r>
+            <a:endParaRPr lang="en-IN" dirty="0"/>
           </a:p>
         </p:txBody>
       </p:sp>
     </p:spTree>
     <p:extLst>
       <p:ext uri="{BB962C8B-B14F-4D97-AF65-F5344CB8AC3E}">
-        <p14:creationId xmlns:p14="http://schemas.microsoft.com/office/powerpoint/2010/main" val="1008087343"/>
+        <p14:creationId xmlns:p14="http://schemas.microsoft.com/office/powerpoint/2010/main" val="59906272"/>
       </p:ext>
     </p:extLst>
   </p:cSld>
@@ -4046,7 +4386,7 @@
           <p:cNvPr id="2" name="Title 1">
             <a:extLst>
               <a:ext uri="{FF2B5EF4-FFF2-40B4-BE49-F238E27FC236}">
-                <a16:creationId xmlns:a16="http://schemas.microsoft.com/office/drawing/2014/main" id="{0E154848-3C7B-4C59-B6CD-F7FF8FD89F84}"/>
+                <a16:creationId xmlns:a16="http://schemas.microsoft.com/office/drawing/2014/main" id="{7AF92154-096F-4540-B9CF-C921BA5C02CA}"/>
               </a:ext>
             </a:extLst>
           </p:cNvPr>
@@ -4059,198 +4399,30 @@
         </p:nvSpPr>
         <p:spPr>
           <a:xfrm>
-            <a:off x="482082" y="542720"/>
-            <a:ext cx="4900024" cy="1004024"/>
+            <a:off x="0" y="114934"/>
+            <a:ext cx="3104707" cy="475827"/>
           </a:xfrm>
         </p:spPr>
         <p:txBody>
-          <a:bodyPr/>
+          <a:bodyPr>
+            <a:normAutofit fontScale="90000"/>
+          </a:bodyPr>
           <a:lstStyle/>
           <a:p>
             <a:r>
-              <a:rPr lang="en-IN" dirty="0"/>
-              <a:t>Result</a:t>
-            </a:r>
-          </a:p>
-        </p:txBody>
-      </p:sp>
-      <p:sp>
-        <p:nvSpPr>
-          <p:cNvPr id="4" name="Text Placeholder 3">
+              <a:rPr lang="en-US" dirty="0"/>
+              <a:t>Architecture</a:t>
+            </a:r>
+            <a:endParaRPr lang="en-IN" dirty="0"/>
+          </a:p>
+        </p:txBody>
+      </p:sp>
+      <p:pic>
+        <p:nvPicPr>
+          <p:cNvPr id="19" name="Picture 18" descr="Diagram&#10;&#10;Description automatically generated">
             <a:extLst>
               <a:ext uri="{FF2B5EF4-FFF2-40B4-BE49-F238E27FC236}">
-                <a16:creationId xmlns:a16="http://schemas.microsoft.com/office/drawing/2014/main" id="{AD93CECF-709E-4C64-B05A-CB4EE96867E8}"/>
-              </a:ext>
-            </a:extLst>
-          </p:cNvPr>
-          <p:cNvSpPr>
-            <a:spLocks noGrp="1"/>
-          </p:cNvSpPr>
-          <p:nvPr>
-            <p:ph type="body" idx="1"/>
-          </p:nvPr>
-        </p:nvSpPr>
-        <p:spPr>
-          <a:xfrm>
-            <a:off x="748748" y="1427735"/>
-            <a:ext cx="5157787" cy="558454"/>
-          </a:xfrm>
-        </p:spPr>
-        <p:txBody>
-          <a:bodyPr>
-            <a:normAutofit/>
-          </a:bodyPr>
-          <a:lstStyle/>
-          <a:p>
-            <a:r>
-              <a:rPr lang="en-IN" sz="2800" dirty="0"/>
-              <a:t>Object Detection</a:t>
-            </a:r>
-          </a:p>
-        </p:txBody>
-      </p:sp>
-      <p:sp>
-        <p:nvSpPr>
-          <p:cNvPr id="5" name="Content Placeholder 4">
-            <a:extLst>
-              <a:ext uri="{FF2B5EF4-FFF2-40B4-BE49-F238E27FC236}">
-                <a16:creationId xmlns:a16="http://schemas.microsoft.com/office/drawing/2014/main" id="{B7284950-1716-43F8-81A7-32BDCADB5702}"/>
-              </a:ext>
-            </a:extLst>
-          </p:cNvPr>
-          <p:cNvSpPr>
-            <a:spLocks noGrp="1"/>
-          </p:cNvSpPr>
-          <p:nvPr>
-            <p:ph sz="half" idx="2"/>
-          </p:nvPr>
-        </p:nvSpPr>
-        <p:spPr>
-          <a:xfrm>
-            <a:off x="748747" y="1986190"/>
-            <a:ext cx="4366591" cy="1178192"/>
-          </a:xfrm>
-        </p:spPr>
-        <p:txBody>
-          <a:bodyPr>
-            <a:noAutofit/>
-          </a:bodyPr>
-          <a:lstStyle/>
-          <a:p>
-            <a:pPr>
-              <a:lnSpc>
-                <a:spcPct val="105000"/>
-              </a:lnSpc>
-            </a:pPr>
-            <a:r>
-              <a:rPr lang="en-IN" dirty="0" err="1"/>
-              <a:t>mAP</a:t>
-            </a:r>
-            <a:r>
-              <a:rPr lang="en-IN" dirty="0"/>
-              <a:t>: 0.493867</a:t>
-            </a:r>
-          </a:p>
-          <a:p>
-            <a:pPr>
-              <a:lnSpc>
-                <a:spcPct val="105000"/>
-              </a:lnSpc>
-            </a:pPr>
-            <a:r>
-              <a:rPr lang="en-IN" dirty="0">
-                <a:hlinkClick r:id="rId2">
-                  <a:extLst>
-                    <a:ext uri="{A12FA001-AC4F-418D-AE19-62706E023703}">
-                      <ahyp:hlinkClr xmlns:ahyp="http://schemas.microsoft.com/office/drawing/2018/hyperlinkcolor" val="tx"/>
-                    </a:ext>
-                  </a:extLst>
-                </a:hlinkClick>
-              </a:rPr>
-              <a:t>mAP@0.50</a:t>
-            </a:r>
-            <a:r>
-              <a:rPr lang="en-IN" dirty="0"/>
-              <a:t> : 0.952</a:t>
-            </a:r>
-          </a:p>
-        </p:txBody>
-      </p:sp>
-      <p:sp>
-        <p:nvSpPr>
-          <p:cNvPr id="6" name="Text Placeholder 5">
-            <a:extLst>
-              <a:ext uri="{FF2B5EF4-FFF2-40B4-BE49-F238E27FC236}">
-                <a16:creationId xmlns:a16="http://schemas.microsoft.com/office/drawing/2014/main" id="{3339D70A-AA71-464C-B3CC-53751EFF0343}"/>
-              </a:ext>
-            </a:extLst>
-          </p:cNvPr>
-          <p:cNvSpPr>
-            <a:spLocks noGrp="1"/>
-          </p:cNvSpPr>
-          <p:nvPr>
-            <p:ph type="body" sz="quarter" idx="3"/>
-          </p:nvPr>
-        </p:nvSpPr>
-        <p:spPr>
-          <a:xfrm>
-            <a:off x="793854" y="3017044"/>
-            <a:ext cx="5183188" cy="823912"/>
-          </a:xfrm>
-        </p:spPr>
-        <p:txBody>
-          <a:bodyPr>
-            <a:normAutofit/>
-          </a:bodyPr>
-          <a:lstStyle/>
-          <a:p>
-            <a:r>
-              <a:rPr lang="en-IN" sz="2800" dirty="0"/>
-              <a:t>Text Recognition</a:t>
-            </a:r>
-          </a:p>
-        </p:txBody>
-      </p:sp>
-      <p:pic>
-        <p:nvPicPr>
-          <p:cNvPr id="9" name="Content Placeholder 8">
-            <a:extLst>
-              <a:ext uri="{FF2B5EF4-FFF2-40B4-BE49-F238E27FC236}">
-                <a16:creationId xmlns:a16="http://schemas.microsoft.com/office/drawing/2014/main" id="{7100A26F-EED0-4049-9339-D9885FD80B10}"/>
-              </a:ext>
-            </a:extLst>
-          </p:cNvPr>
-          <p:cNvPicPr>
-            <a:picLocks noGrp="1" noChangeAspect="1"/>
-          </p:cNvPicPr>
-          <p:nvPr>
-            <p:ph sz="quarter" idx="4"/>
-          </p:nvPr>
-        </p:nvPicPr>
-        <p:blipFill rotWithShape="1">
-          <a:blip r:embed="rId3">
-            <a:extLst>
-              <a:ext uri="{28A0092B-C50C-407E-A947-70E740481C1C}">
-                <a14:useLocalDpi xmlns:a14="http://schemas.microsoft.com/office/drawing/2010/main" val="0"/>
-              </a:ext>
-            </a:extLst>
-          </a:blip>
-          <a:srcRect l="615" t="3748" r="3637" b="3629"/>
-          <a:stretch/>
-        </p:blipFill>
-        <p:spPr>
-          <a:xfrm>
-            <a:off x="890174" y="3941102"/>
-            <a:ext cx="4317932" cy="2644734"/>
-          </a:xfrm>
-        </p:spPr>
-      </p:pic>
-      <p:pic>
-        <p:nvPicPr>
-          <p:cNvPr id="11" name="Picture 10">
-            <a:extLst>
-              <a:ext uri="{FF2B5EF4-FFF2-40B4-BE49-F238E27FC236}">
-                <a16:creationId xmlns:a16="http://schemas.microsoft.com/office/drawing/2014/main" id="{EA4DC25A-4859-41F6-B14D-2DE26FF60544}"/>
+                <a16:creationId xmlns:a16="http://schemas.microsoft.com/office/drawing/2014/main" id="{AE323069-0EB7-4982-B87B-5476BBF81CEC}"/>
               </a:ext>
             </a:extLst>
           </p:cNvPr>
@@ -4260,7 +4432,7 @@
           <p:nvPr/>
         </p:nvPicPr>
         <p:blipFill>
-          <a:blip r:embed="rId4">
+          <a:blip r:embed="rId2">
             <a:extLst>
               <a:ext uri="{28A0092B-C50C-407E-A947-70E740481C1C}">
                 <a14:useLocalDpi xmlns:a14="http://schemas.microsoft.com/office/drawing/2010/main" val="0"/>
@@ -4273,44 +4445,8 @@
         </p:blipFill>
         <p:spPr>
           <a:xfrm>
-            <a:off x="7633252" y="783132"/>
-            <a:ext cx="3810000" cy="2381250"/>
-          </a:xfrm>
-          <a:prstGeom prst="rect">
-            <a:avLst/>
-          </a:prstGeom>
-        </p:spPr>
-      </p:pic>
-      <p:pic>
-        <p:nvPicPr>
-          <p:cNvPr id="15" name="Picture 14">
-            <a:extLst>
-              <a:ext uri="{FF2B5EF4-FFF2-40B4-BE49-F238E27FC236}">
-                <a16:creationId xmlns:a16="http://schemas.microsoft.com/office/drawing/2014/main" id="{A3524F59-9C8D-4F8D-9927-4A363EAA988A}"/>
-              </a:ext>
-            </a:extLst>
-          </p:cNvPr>
-          <p:cNvPicPr>
-            <a:picLocks noChangeAspect="1"/>
-          </p:cNvPicPr>
-          <p:nvPr/>
-        </p:nvPicPr>
-        <p:blipFill>
-          <a:blip r:embed="rId5">
-            <a:extLst>
-              <a:ext uri="{28A0092B-C50C-407E-A947-70E740481C1C}">
-                <a14:useLocalDpi xmlns:a14="http://schemas.microsoft.com/office/drawing/2010/main" val="0"/>
-              </a:ext>
-            </a:extLst>
-          </a:blip>
-          <a:stretch>
-            <a:fillRect/>
-          </a:stretch>
-        </p:blipFill>
-        <p:spPr>
-          <a:xfrm>
-            <a:off x="5977042" y="3217368"/>
-            <a:ext cx="4448175" cy="2857500"/>
+            <a:off x="0" y="590761"/>
+            <a:ext cx="12192000" cy="6267239"/>
           </a:xfrm>
           <a:prstGeom prst="rect">
             <a:avLst/>
@@ -4320,7 +4456,7 @@
     </p:spTree>
     <p:extLst>
       <p:ext uri="{BB962C8B-B14F-4D97-AF65-F5344CB8AC3E}">
-        <p14:creationId xmlns:p14="http://schemas.microsoft.com/office/powerpoint/2010/main" val="3756917752"/>
+        <p14:creationId xmlns:p14="http://schemas.microsoft.com/office/powerpoint/2010/main" val="1697417918"/>
       </p:ext>
     </p:extLst>
   </p:cSld>
@@ -4352,7 +4488,7 @@
           <p:cNvPr id="2" name="Title 1">
             <a:extLst>
               <a:ext uri="{FF2B5EF4-FFF2-40B4-BE49-F238E27FC236}">
-                <a16:creationId xmlns:a16="http://schemas.microsoft.com/office/drawing/2014/main" id="{5BD49CA7-3CBC-4145-A898-3212F88DBD18}"/>
+                <a16:creationId xmlns:a16="http://schemas.microsoft.com/office/drawing/2014/main" id="{0E154848-3C7B-4C59-B6CD-F7FF8FD89F84}"/>
               </a:ext>
             </a:extLst>
           </p:cNvPr>
@@ -4363,18 +4499,537 @@
             <p:ph type="title"/>
           </p:nvPr>
         </p:nvSpPr>
-        <p:spPr/>
+        <p:spPr>
+          <a:xfrm>
+            <a:off x="0" y="1893"/>
+            <a:ext cx="4900024" cy="1004024"/>
+          </a:xfrm>
+        </p:spPr>
         <p:txBody>
           <a:bodyPr/>
           <a:lstStyle/>
           <a:p>
             <a:r>
               <a:rPr lang="en-IN" dirty="0"/>
-              <a:t>Future Improvement</a:t>
-            </a:r>
-          </a:p>
-        </p:txBody>
-      </p:sp>
+              <a:t>Result</a:t>
+            </a:r>
+          </a:p>
+        </p:txBody>
+      </p:sp>
+      <p:sp>
+        <p:nvSpPr>
+          <p:cNvPr id="23" name="Text Placeholder 3">
+            <a:extLst>
+              <a:ext uri="{FF2B5EF4-FFF2-40B4-BE49-F238E27FC236}">
+                <a16:creationId xmlns:a16="http://schemas.microsoft.com/office/drawing/2014/main" id="{D52A136E-F890-460B-987A-D1A3C2B093E6}"/>
+              </a:ext>
+            </a:extLst>
+          </p:cNvPr>
+          <p:cNvSpPr>
+            <a:spLocks noGrp="1"/>
+          </p:cNvSpPr>
+          <p:nvPr>
+            <p:ph type="body" idx="1"/>
+          </p:nvPr>
+        </p:nvSpPr>
+        <p:spPr>
+          <a:xfrm>
+            <a:off x="5892038" y="726690"/>
+            <a:ext cx="5157787" cy="558454"/>
+          </a:xfrm>
+        </p:spPr>
+        <p:txBody>
+          <a:bodyPr>
+            <a:normAutofit/>
+          </a:bodyPr>
+          <a:lstStyle/>
+          <a:p>
+            <a:r>
+              <a:rPr lang="en-IN" sz="2800" dirty="0"/>
+              <a:t>Object Detection</a:t>
+            </a:r>
+          </a:p>
+        </p:txBody>
+      </p:sp>
+      <p:sp>
+        <p:nvSpPr>
+          <p:cNvPr id="24" name="Content Placeholder 4">
+            <a:extLst>
+              <a:ext uri="{FF2B5EF4-FFF2-40B4-BE49-F238E27FC236}">
+                <a16:creationId xmlns:a16="http://schemas.microsoft.com/office/drawing/2014/main" id="{C90FED57-9BAE-43E9-8DEC-20A864F8A6B1}"/>
+              </a:ext>
+            </a:extLst>
+          </p:cNvPr>
+          <p:cNvSpPr>
+            <a:spLocks noGrp="1"/>
+          </p:cNvSpPr>
+          <p:nvPr>
+            <p:ph sz="half" idx="2"/>
+          </p:nvPr>
+        </p:nvSpPr>
+        <p:spPr>
+          <a:xfrm>
+            <a:off x="6096000" y="1381287"/>
+            <a:ext cx="2465153" cy="823912"/>
+          </a:xfrm>
+        </p:spPr>
+        <p:txBody>
+          <a:bodyPr>
+            <a:normAutofit lnSpcReduction="10000"/>
+          </a:bodyPr>
+          <a:lstStyle/>
+          <a:p>
+            <a:r>
+              <a:rPr lang="en-IN" b="0" i="0" dirty="0" err="1">
+                <a:solidFill>
+                  <a:srgbClr val="24292E"/>
+                </a:solidFill>
+                <a:effectLst/>
+                <a:latin typeface="-apple-system"/>
+              </a:rPr>
+              <a:t>mAP</a:t>
+            </a:r>
+            <a:r>
+              <a:rPr lang="en-IN" b="0" i="0" dirty="0">
+                <a:solidFill>
+                  <a:srgbClr val="24292E"/>
+                </a:solidFill>
+                <a:effectLst/>
+                <a:latin typeface="-apple-system"/>
+              </a:rPr>
+              <a:t>: 0.493867 </a:t>
+            </a:r>
+          </a:p>
+          <a:p>
+            <a:r>
+              <a:rPr lang="en-IN" b="0" i="0" dirty="0" err="1">
+                <a:solidFill>
+                  <a:srgbClr val="24292E"/>
+                </a:solidFill>
+                <a:effectLst/>
+                <a:latin typeface="-apple-system"/>
+              </a:rPr>
+              <a:t>mAR</a:t>
+            </a:r>
+            <a:r>
+              <a:rPr lang="en-IN" b="0" i="0" dirty="0">
+                <a:solidFill>
+                  <a:srgbClr val="24292E"/>
+                </a:solidFill>
+                <a:effectLst/>
+                <a:latin typeface="-apple-system"/>
+              </a:rPr>
+              <a:t>: 0.549057 </a:t>
+            </a:r>
+            <a:endParaRPr lang="en-IN" dirty="0"/>
+          </a:p>
+        </p:txBody>
+      </p:sp>
+      <p:sp>
+        <p:nvSpPr>
+          <p:cNvPr id="25" name="Text Placeholder 5">
+            <a:extLst>
+              <a:ext uri="{FF2B5EF4-FFF2-40B4-BE49-F238E27FC236}">
+                <a16:creationId xmlns:a16="http://schemas.microsoft.com/office/drawing/2014/main" id="{5186B5D1-725E-4A69-ABB4-DEDAEF9E9393}"/>
+              </a:ext>
+            </a:extLst>
+          </p:cNvPr>
+          <p:cNvSpPr>
+            <a:spLocks noGrp="1"/>
+          </p:cNvSpPr>
+          <p:nvPr>
+            <p:ph type="body" sz="quarter" idx="3"/>
+          </p:nvPr>
+        </p:nvSpPr>
+        <p:spPr>
+          <a:xfrm>
+            <a:off x="5892038" y="2842482"/>
+            <a:ext cx="5183188" cy="823912"/>
+          </a:xfrm>
+        </p:spPr>
+        <p:txBody>
+          <a:bodyPr>
+            <a:normAutofit/>
+          </a:bodyPr>
+          <a:lstStyle/>
+          <a:p>
+            <a:r>
+              <a:rPr lang="en-IN" sz="2800" dirty="0"/>
+              <a:t>Text Recognition</a:t>
+            </a:r>
+          </a:p>
+        </p:txBody>
+      </p:sp>
+      <p:pic>
+        <p:nvPicPr>
+          <p:cNvPr id="21" name="Picture 20">
+            <a:extLst>
+              <a:ext uri="{FF2B5EF4-FFF2-40B4-BE49-F238E27FC236}">
+                <a16:creationId xmlns:a16="http://schemas.microsoft.com/office/drawing/2014/main" id="{5DF8D984-5382-4040-9B36-0DCF8642690E}"/>
+              </a:ext>
+            </a:extLst>
+          </p:cNvPr>
+          <p:cNvPicPr>
+            <a:picLocks noChangeAspect="1"/>
+          </p:cNvPicPr>
+          <p:nvPr/>
+        </p:nvPicPr>
+        <p:blipFill>
+          <a:blip r:embed="rId2">
+            <a:extLst>
+              <a:ext uri="{28A0092B-C50C-407E-A947-70E740481C1C}">
+                <a14:useLocalDpi xmlns:a14="http://schemas.microsoft.com/office/drawing/2010/main" val="0"/>
+              </a:ext>
+            </a:extLst>
+          </a:blip>
+          <a:stretch>
+            <a:fillRect/>
+          </a:stretch>
+        </p:blipFill>
+        <p:spPr>
+          <a:xfrm>
+            <a:off x="321334" y="1174062"/>
+            <a:ext cx="3810000" cy="2381250"/>
+          </a:xfrm>
+          <a:prstGeom prst="rect">
+            <a:avLst/>
+          </a:prstGeom>
+        </p:spPr>
+      </p:pic>
+      <p:pic>
+        <p:nvPicPr>
+          <p:cNvPr id="22" name="Picture 21">
+            <a:extLst>
+              <a:ext uri="{FF2B5EF4-FFF2-40B4-BE49-F238E27FC236}">
+                <a16:creationId xmlns:a16="http://schemas.microsoft.com/office/drawing/2014/main" id="{BBFD35E1-E829-44D9-B682-93540748B269}"/>
+              </a:ext>
+            </a:extLst>
+          </p:cNvPr>
+          <p:cNvPicPr>
+            <a:picLocks noChangeAspect="1"/>
+          </p:cNvPicPr>
+          <p:nvPr/>
+        </p:nvPicPr>
+        <p:blipFill>
+          <a:blip r:embed="rId3">
+            <a:extLst>
+              <a:ext uri="{28A0092B-C50C-407E-A947-70E740481C1C}">
+                <a14:useLocalDpi xmlns:a14="http://schemas.microsoft.com/office/drawing/2010/main" val="0"/>
+              </a:ext>
+            </a:extLst>
+          </a:blip>
+          <a:stretch>
+            <a:fillRect/>
+          </a:stretch>
+        </p:blipFill>
+        <p:spPr>
+          <a:xfrm>
+            <a:off x="986531" y="3666394"/>
+            <a:ext cx="4448175" cy="2857500"/>
+          </a:xfrm>
+          <a:prstGeom prst="rect">
+            <a:avLst/>
+          </a:prstGeom>
+        </p:spPr>
+      </p:pic>
+      <p:graphicFrame>
+        <p:nvGraphicFramePr>
+          <p:cNvPr id="27" name="Table 27">
+            <a:extLst>
+              <a:ext uri="{FF2B5EF4-FFF2-40B4-BE49-F238E27FC236}">
+                <a16:creationId xmlns:a16="http://schemas.microsoft.com/office/drawing/2014/main" id="{CF6B8FCA-DEC7-438E-AF67-88FAF4ED5372}"/>
+              </a:ext>
+            </a:extLst>
+          </p:cNvPr>
+          <p:cNvGraphicFramePr>
+            <a:graphicFrameLocks noGrp="1"/>
+          </p:cNvGraphicFramePr>
+          <p:nvPr>
+            <p:extLst>
+              <p:ext uri="{D42A27DB-BD31-4B8C-83A1-F6EECF244321}">
+                <p14:modId xmlns:p14="http://schemas.microsoft.com/office/powerpoint/2010/main" val="540292787"/>
+              </p:ext>
+            </p:extLst>
+          </p:nvPr>
+        </p:nvGraphicFramePr>
+        <p:xfrm>
+          <a:off x="6096000" y="3666394"/>
+          <a:ext cx="2899143" cy="2225040"/>
+        </p:xfrm>
+        <a:graphic>
+          <a:graphicData uri="http://schemas.openxmlformats.org/drawingml/2006/table">
+            <a:tbl>
+              <a:tblPr firstRow="1" bandRow="1">
+                <a:tableStyleId>{5C22544A-7EE6-4342-B048-85BDC9FD1C3A}</a:tableStyleId>
+              </a:tblPr>
+              <a:tblGrid>
+                <a:gridCol w="2048539">
+                  <a:extLst>
+                    <a:ext uri="{9D8B030D-6E8A-4147-A177-3AD203B41FA5}">
+                      <a16:colId xmlns:a16="http://schemas.microsoft.com/office/drawing/2014/main" val="888381349"/>
+                    </a:ext>
+                  </a:extLst>
+                </a:gridCol>
+                <a:gridCol w="850604">
+                  <a:extLst>
+                    <a:ext uri="{9D8B030D-6E8A-4147-A177-3AD203B41FA5}">
+                      <a16:colId xmlns:a16="http://schemas.microsoft.com/office/drawing/2014/main" val="4275453209"/>
+                    </a:ext>
+                  </a:extLst>
+                </a:gridCol>
+              </a:tblGrid>
+              <a:tr h="370840">
+                <a:tc>
+                  <a:txBody>
+                    <a:bodyPr/>
+                    <a:lstStyle/>
+                    <a:p>
+                      <a:r>
+                        <a:rPr lang="en-US" dirty="0"/>
+                        <a:t>Label</a:t>
+                      </a:r>
+                      <a:endParaRPr lang="en-IN" dirty="0"/>
+                    </a:p>
+                  </a:txBody>
+                  <a:tcPr/>
+                </a:tc>
+                <a:tc>
+                  <a:txBody>
+                    <a:bodyPr/>
+                    <a:lstStyle/>
+                    <a:p>
+                      <a:r>
+                        <a:rPr lang="en-US" dirty="0"/>
+                        <a:t>Count</a:t>
+                      </a:r>
+                      <a:endParaRPr lang="en-IN" dirty="0"/>
+                    </a:p>
+                  </a:txBody>
+                  <a:tcPr/>
+                </a:tc>
+                <a:extLst>
+                  <a:ext uri="{0D108BD9-81ED-4DB2-BD59-A6C34878D82A}">
+                    <a16:rowId xmlns:a16="http://schemas.microsoft.com/office/drawing/2014/main" val="3090972339"/>
+                  </a:ext>
+                </a:extLst>
+              </a:tr>
+              <a:tr h="370840">
+                <a:tc>
+                  <a:txBody>
+                    <a:bodyPr/>
+                    <a:lstStyle/>
+                    <a:p>
+                      <a:r>
+                        <a:rPr lang="en-US" dirty="0"/>
+                        <a:t>Match</a:t>
+                      </a:r>
+                      <a:endParaRPr lang="en-IN" dirty="0"/>
+                    </a:p>
+                  </a:txBody>
+                  <a:tcPr/>
+                </a:tc>
+                <a:tc>
+                  <a:txBody>
+                    <a:bodyPr/>
+                    <a:lstStyle/>
+                    <a:p>
+                      <a:r>
+                        <a:rPr lang="en-US" dirty="0"/>
+                        <a:t>14</a:t>
+                      </a:r>
+                      <a:endParaRPr lang="en-IN" dirty="0"/>
+                    </a:p>
+                  </a:txBody>
+                  <a:tcPr/>
+                </a:tc>
+                <a:extLst>
+                  <a:ext uri="{0D108BD9-81ED-4DB2-BD59-A6C34878D82A}">
+                    <a16:rowId xmlns:a16="http://schemas.microsoft.com/office/drawing/2014/main" val="2157642825"/>
+                  </a:ext>
+                </a:extLst>
+              </a:tr>
+              <a:tr h="370840">
+                <a:tc>
+                  <a:txBody>
+                    <a:bodyPr/>
+                    <a:lstStyle/>
+                    <a:p>
+                      <a:r>
+                        <a:rPr lang="en-US" dirty="0"/>
+                        <a:t>Close Match</a:t>
+                      </a:r>
+                      <a:endParaRPr lang="en-IN" dirty="0"/>
+                    </a:p>
+                  </a:txBody>
+                  <a:tcPr/>
+                </a:tc>
+                <a:tc>
+                  <a:txBody>
+                    <a:bodyPr/>
+                    <a:lstStyle/>
+                    <a:p>
+                      <a:r>
+                        <a:rPr lang="en-US" dirty="0"/>
+                        <a:t>13</a:t>
+                      </a:r>
+                      <a:endParaRPr lang="en-IN" dirty="0"/>
+                    </a:p>
+                  </a:txBody>
+                  <a:tcPr/>
+                </a:tc>
+                <a:extLst>
+                  <a:ext uri="{0D108BD9-81ED-4DB2-BD59-A6C34878D82A}">
+                    <a16:rowId xmlns:a16="http://schemas.microsoft.com/office/drawing/2014/main" val="1790363923"/>
+                  </a:ext>
+                </a:extLst>
+              </a:tr>
+              <a:tr h="370840">
+                <a:tc>
+                  <a:txBody>
+                    <a:bodyPr/>
+                    <a:lstStyle/>
+                    <a:p>
+                      <a:r>
+                        <a:rPr lang="en-US" dirty="0"/>
+                        <a:t>Not Match</a:t>
+                      </a:r>
+                      <a:endParaRPr lang="en-IN" dirty="0"/>
+                    </a:p>
+                  </a:txBody>
+                  <a:tcPr/>
+                </a:tc>
+                <a:tc>
+                  <a:txBody>
+                    <a:bodyPr/>
+                    <a:lstStyle/>
+                    <a:p>
+                      <a:r>
+                        <a:rPr lang="en-US" dirty="0"/>
+                        <a:t>17</a:t>
+                      </a:r>
+                      <a:endParaRPr lang="en-IN" dirty="0"/>
+                    </a:p>
+                  </a:txBody>
+                  <a:tcPr/>
+                </a:tc>
+                <a:extLst>
+                  <a:ext uri="{0D108BD9-81ED-4DB2-BD59-A6C34878D82A}">
+                    <a16:rowId xmlns:a16="http://schemas.microsoft.com/office/drawing/2014/main" val="4001685277"/>
+                  </a:ext>
+                </a:extLst>
+              </a:tr>
+              <a:tr h="370840">
+                <a:tc>
+                  <a:txBody>
+                    <a:bodyPr/>
+                    <a:lstStyle/>
+                    <a:p>
+                      <a:r>
+                        <a:rPr lang="en-US" dirty="0"/>
+                        <a:t>No plate detected</a:t>
+                      </a:r>
+                      <a:endParaRPr lang="en-IN" dirty="0"/>
+                    </a:p>
+                  </a:txBody>
+                  <a:tcPr/>
+                </a:tc>
+                <a:tc>
+                  <a:txBody>
+                    <a:bodyPr/>
+                    <a:lstStyle/>
+                    <a:p>
+                      <a:r>
+                        <a:rPr lang="en-US" dirty="0"/>
+                        <a:t>6</a:t>
+                      </a:r>
+                      <a:endParaRPr lang="en-IN" dirty="0"/>
+                    </a:p>
+                  </a:txBody>
+                  <a:tcPr/>
+                </a:tc>
+                <a:extLst>
+                  <a:ext uri="{0D108BD9-81ED-4DB2-BD59-A6C34878D82A}">
+                    <a16:rowId xmlns:a16="http://schemas.microsoft.com/office/drawing/2014/main" val="1462723883"/>
+                  </a:ext>
+                </a:extLst>
+              </a:tr>
+              <a:tr h="370840">
+                <a:tc>
+                  <a:txBody>
+                    <a:bodyPr/>
+                    <a:lstStyle/>
+                    <a:p>
+                      <a:r>
+                        <a:rPr lang="en-US" b="1" dirty="0"/>
+                        <a:t>Total</a:t>
+                      </a:r>
+                      <a:endParaRPr lang="en-IN" b="1" dirty="0"/>
+                    </a:p>
+                  </a:txBody>
+                  <a:tcPr/>
+                </a:tc>
+                <a:tc>
+                  <a:txBody>
+                    <a:bodyPr/>
+                    <a:lstStyle/>
+                    <a:p>
+                      <a:r>
+                        <a:rPr lang="en-US" b="1" dirty="0"/>
+                        <a:t>50</a:t>
+                      </a:r>
+                      <a:endParaRPr lang="en-IN" b="1" dirty="0"/>
+                    </a:p>
+                  </a:txBody>
+                  <a:tcPr/>
+                </a:tc>
+                <a:extLst>
+                  <a:ext uri="{0D108BD9-81ED-4DB2-BD59-A6C34878D82A}">
+                    <a16:rowId xmlns:a16="http://schemas.microsoft.com/office/drawing/2014/main" val="1710153193"/>
+                  </a:ext>
+                </a:extLst>
+              </a:tr>
+            </a:tbl>
+          </a:graphicData>
+        </a:graphic>
+      </p:graphicFrame>
+    </p:spTree>
+    <p:extLst>
+      <p:ext uri="{BB962C8B-B14F-4D97-AF65-F5344CB8AC3E}">
+        <p14:creationId xmlns:p14="http://schemas.microsoft.com/office/powerpoint/2010/main" val="3756917752"/>
+      </p:ext>
+    </p:extLst>
+  </p:cSld>
+  <p:clrMapOvr>
+    <a:masterClrMapping/>
+  </p:clrMapOvr>
+</p:sld>
+</file>
+
+<file path=ppt/slides/slide6.xml><?xml version="1.0" encoding="utf-8"?>
+<p:sld xmlns:a="http://schemas.openxmlformats.org/drawingml/2006/main" xmlns:r="http://schemas.openxmlformats.org/officeDocument/2006/relationships" xmlns:p="http://schemas.openxmlformats.org/presentationml/2006/main">
+  <p:cSld>
+    <p:bg>
+      <p:bgPr>
+        <a:solidFill>
+          <a:schemeClr val="bg1"/>
+        </a:solidFill>
+        <a:effectLst/>
+      </p:bgPr>
+    </p:bg>
+    <p:spTree>
+      <p:nvGrpSpPr>
+        <p:cNvPr id="1" name=""/>
+        <p:cNvGrpSpPr/>
+        <p:nvPr/>
+      </p:nvGrpSpPr>
+      <p:grpSpPr>
+        <a:xfrm>
+          <a:off x="0" y="0"/>
+          <a:ext cx="0" cy="0"/>
+          <a:chOff x="0" y="0"/>
+          <a:chExt cx="0" cy="0"/>
+        </a:xfrm>
+      </p:grpSpPr>
       <p:sp>
         <p:nvSpPr>
           <p:cNvPr id="3" name="Content Placeholder 2">
@@ -4391,58 +5046,159 @@
             <p:ph idx="1"/>
           </p:nvPr>
         </p:nvSpPr>
-        <p:spPr/>
-        <p:txBody>
-          <a:bodyPr/>
+        <p:spPr>
+          <a:xfrm>
+            <a:off x="676656" y="643467"/>
+            <a:ext cx="6235869" cy="5584295"/>
+          </a:xfrm>
+        </p:spPr>
+        <p:txBody>
+          <a:bodyPr anchor="ctr">
+            <a:normAutofit/>
+          </a:bodyPr>
           <a:lstStyle/>
           <a:p>
-            <a:r>
-              <a:rPr lang="en-US" b="0" i="0" dirty="0">
+            <a:pPr>
+              <a:buFont typeface="Arial" panose="020B0604020202020204" pitchFamily="34" charset="0"/>
+              <a:buChar char="•"/>
+            </a:pPr>
+            <a:r>
+              <a:rPr lang="en-US"/>
+              <a:t> The threshold is set higher i.e., 0.6 because even if plates are detected. Because with lower threshold, images detected are highly pixelated. </a:t>
+            </a:r>
+          </a:p>
+          <a:p>
+            <a:pPr>
+              <a:buFont typeface="Arial" panose="020B0604020202020204" pitchFamily="34" charset="0"/>
+              <a:buChar char="•"/>
+            </a:pPr>
+            <a:r>
+              <a:rPr lang="en-US"/>
+              <a:t>  Some characters are getting jumbled e.g., '8' and 'B’. </a:t>
+            </a:r>
+          </a:p>
+          <a:p>
+            <a:pPr>
+              <a:buFont typeface="Arial" panose="020B0604020202020204" pitchFamily="34" charset="0"/>
+              <a:buChar char="•"/>
+            </a:pPr>
+            <a:r>
+              <a:rPr lang="en-US"/>
+              <a:t> Many a times images or interference within the plates, don't help getting results. </a:t>
+            </a:r>
+          </a:p>
+          <a:p>
+            <a:pPr>
+              <a:buFont typeface="Arial" panose="020B0604020202020204" pitchFamily="34" charset="0"/>
+              <a:buChar char="•"/>
+            </a:pPr>
+            <a:r>
+              <a:rPr lang="en-US"/>
+              <a:t> Adding rules to preprocessing extracted texts for images. </a:t>
+            </a:r>
+            <a:endParaRPr lang="en-IN"/>
+          </a:p>
+        </p:txBody>
+      </p:sp>
+      <p:sp>
+        <p:nvSpPr>
+          <p:cNvPr id="22" name="Rectangle 21">
+            <a:extLst>
+              <a:ext uri="{FF2B5EF4-FFF2-40B4-BE49-F238E27FC236}">
+                <a16:creationId xmlns:a16="http://schemas.microsoft.com/office/drawing/2014/main" id="{67218665-EA77-40EC-8172-4F17E2DEDB3D}"/>
+              </a:ext>
+              <a:ext uri="{C183D7F6-B498-43B3-948B-1728B52AA6E4}">
+                <adec:decorative xmlns:adec="http://schemas.microsoft.com/office/drawing/2017/decorative" val="1"/>
+              </a:ext>
+            </a:extLst>
+          </p:cNvPr>
+          <p:cNvSpPr>
+            <a:spLocks noGrp="1" noRot="1" noChangeAspect="1" noMove="1" noResize="1" noEditPoints="1" noAdjustHandles="1" noChangeArrowheads="1" noChangeShapeType="1" noTextEdit="1"/>
+          </p:cNvSpPr>
+          <p:nvPr>
+            <p:extLst>
+              <p:ext uri="{386F3935-93C4-4BCD-93E2-E3B085C9AB24}">
+                <p16:designElem xmlns:p16="http://schemas.microsoft.com/office/powerpoint/2015/main" val="1"/>
+              </p:ext>
+            </p:extLst>
+          </p:nvPr>
+        </p:nvSpPr>
+        <p:spPr>
+          <a:xfrm>
+            <a:off x="7555992" y="0"/>
+            <a:ext cx="4636008" cy="6858000"/>
+          </a:xfrm>
+          <a:prstGeom prst="rect">
+            <a:avLst/>
+          </a:prstGeom>
+          <a:solidFill>
+            <a:schemeClr val="accent1"/>
+          </a:solidFill>
+          <a:ln>
+            <a:noFill/>
+          </a:ln>
+        </p:spPr>
+        <p:style>
+          <a:lnRef idx="2">
+            <a:schemeClr val="accent1">
+              <a:shade val="50000"/>
+            </a:schemeClr>
+          </a:lnRef>
+          <a:fillRef idx="1">
+            <a:schemeClr val="accent1"/>
+          </a:fillRef>
+          <a:effectRef idx="0">
+            <a:schemeClr val="accent1"/>
+          </a:effectRef>
+          <a:fontRef idx="minor">
+            <a:schemeClr val="lt1"/>
+          </a:fontRef>
+        </p:style>
+        <p:txBody>
+          <a:bodyPr rtlCol="0" anchor="ctr"/>
+          <a:lstStyle/>
+          <a:p>
+            <a:pPr algn="ctr"/>
+            <a:endParaRPr lang="en-US"/>
+          </a:p>
+        </p:txBody>
+      </p:sp>
+      <p:sp>
+        <p:nvSpPr>
+          <p:cNvPr id="2" name="Title 1">
+            <a:extLst>
+              <a:ext uri="{FF2B5EF4-FFF2-40B4-BE49-F238E27FC236}">
+                <a16:creationId xmlns:a16="http://schemas.microsoft.com/office/drawing/2014/main" id="{5BD49CA7-3CBC-4145-A898-3212F88DBD18}"/>
+              </a:ext>
+            </a:extLst>
+          </p:cNvPr>
+          <p:cNvSpPr>
+            <a:spLocks noGrp="1"/>
+          </p:cNvSpPr>
+          <p:nvPr>
+            <p:ph type="title"/>
+          </p:nvPr>
+        </p:nvSpPr>
+        <p:spPr>
+          <a:xfrm>
+            <a:off x="8199458" y="643467"/>
+            <a:ext cx="3349075" cy="5584296"/>
+          </a:xfrm>
+        </p:spPr>
+        <p:txBody>
+          <a:bodyPr anchor="ctr">
+            <a:normAutofit/>
+          </a:bodyPr>
+          <a:lstStyle/>
+          <a:p>
+            <a:r>
+              <a:rPr lang="en-IN" sz="4000">
                 <a:solidFill>
-                  <a:srgbClr val="24292E"/>
+                  <a:srgbClr val="FFFFFF"/>
                 </a:solidFill>
-                <a:effectLst/>
-                <a:latin typeface="-apple-system"/>
               </a:rPr>
-              <a:t>The threshold is set higher i.e. 0.6 because even if plates are detected. Because with lower threshold, images detected are highly pixelated. </a:t>
-            </a:r>
-          </a:p>
-          <a:p>
-            <a:r>
-              <a:rPr lang="en-US" b="0" i="0" dirty="0">
-                <a:solidFill>
-                  <a:srgbClr val="24292E"/>
-                </a:solidFill>
-                <a:effectLst/>
-                <a:latin typeface="-apple-system"/>
-              </a:rPr>
-              <a:t>Some characters are getting jumbled e.g. '8' and 'B’. </a:t>
-            </a:r>
-          </a:p>
-          <a:p>
-            <a:r>
-              <a:rPr lang="en-US" b="0" i="0" dirty="0">
-                <a:solidFill>
-                  <a:srgbClr val="24292E"/>
-                </a:solidFill>
-                <a:effectLst/>
-                <a:latin typeface="-apple-system"/>
-              </a:rPr>
-              <a:t>Many a times images or interference within the plates, don't help getting results. </a:t>
-            </a:r>
-          </a:p>
-          <a:p>
-            <a:r>
-              <a:rPr lang="en-US" b="0" i="0" dirty="0">
-                <a:solidFill>
-                  <a:srgbClr val="24292E"/>
-                </a:solidFill>
-                <a:effectLst/>
-                <a:latin typeface="-apple-system"/>
-              </a:rPr>
-              <a:t>Adding rules to preprocessing extracted texts for images. </a:t>
-            </a:r>
-            <a:endParaRPr lang="en-IN" dirty="0"/>
+              <a:t>Future Improvement</a:t>
+            </a:r>
           </a:p>
         </p:txBody>
       </p:sp>
